--- a/docs/Outline.pptx
+++ b/docs/Outline.pptx
@@ -255,7 +255,7 @@
           <a:p>
             <a:fld id="{0DE2516B-978E-4FA6-9B09-ABFC1CAE7706}" type="datetimeFigureOut">
               <a:rPr lang="en-GB" smtClean="0"/>
-              <a:t>28/04/2016</a:t>
+              <a:t>29/04/2016</a:t>
             </a:fld>
             <a:endParaRPr lang="en-GB"/>
           </a:p>
@@ -425,7 +425,7 @@
           <a:p>
             <a:fld id="{0DE2516B-978E-4FA6-9B09-ABFC1CAE7706}" type="datetimeFigureOut">
               <a:rPr lang="en-GB" smtClean="0"/>
-              <a:t>28/04/2016</a:t>
+              <a:t>29/04/2016</a:t>
             </a:fld>
             <a:endParaRPr lang="en-GB"/>
           </a:p>
@@ -605,7 +605,7 @@
           <a:p>
             <a:fld id="{0DE2516B-978E-4FA6-9B09-ABFC1CAE7706}" type="datetimeFigureOut">
               <a:rPr lang="en-GB" smtClean="0"/>
-              <a:t>28/04/2016</a:t>
+              <a:t>29/04/2016</a:t>
             </a:fld>
             <a:endParaRPr lang="en-GB"/>
           </a:p>
@@ -775,7 +775,7 @@
           <a:p>
             <a:fld id="{0DE2516B-978E-4FA6-9B09-ABFC1CAE7706}" type="datetimeFigureOut">
               <a:rPr lang="en-GB" smtClean="0"/>
-              <a:t>28/04/2016</a:t>
+              <a:t>29/04/2016</a:t>
             </a:fld>
             <a:endParaRPr lang="en-GB"/>
           </a:p>
@@ -1021,7 +1021,7 @@
           <a:p>
             <a:fld id="{0DE2516B-978E-4FA6-9B09-ABFC1CAE7706}" type="datetimeFigureOut">
               <a:rPr lang="en-GB" smtClean="0"/>
-              <a:t>28/04/2016</a:t>
+              <a:t>29/04/2016</a:t>
             </a:fld>
             <a:endParaRPr lang="en-GB"/>
           </a:p>
@@ -1253,7 +1253,7 @@
           <a:p>
             <a:fld id="{0DE2516B-978E-4FA6-9B09-ABFC1CAE7706}" type="datetimeFigureOut">
               <a:rPr lang="en-GB" smtClean="0"/>
-              <a:t>28/04/2016</a:t>
+              <a:t>29/04/2016</a:t>
             </a:fld>
             <a:endParaRPr lang="en-GB"/>
           </a:p>
@@ -1620,7 +1620,7 @@
           <a:p>
             <a:fld id="{0DE2516B-978E-4FA6-9B09-ABFC1CAE7706}" type="datetimeFigureOut">
               <a:rPr lang="en-GB" smtClean="0"/>
-              <a:t>28/04/2016</a:t>
+              <a:t>29/04/2016</a:t>
             </a:fld>
             <a:endParaRPr lang="en-GB"/>
           </a:p>
@@ -1738,7 +1738,7 @@
           <a:p>
             <a:fld id="{0DE2516B-978E-4FA6-9B09-ABFC1CAE7706}" type="datetimeFigureOut">
               <a:rPr lang="en-GB" smtClean="0"/>
-              <a:t>28/04/2016</a:t>
+              <a:t>29/04/2016</a:t>
             </a:fld>
             <a:endParaRPr lang="en-GB"/>
           </a:p>
@@ -1833,7 +1833,7 @@
           <a:p>
             <a:fld id="{0DE2516B-978E-4FA6-9B09-ABFC1CAE7706}" type="datetimeFigureOut">
               <a:rPr lang="en-GB" smtClean="0"/>
-              <a:t>28/04/2016</a:t>
+              <a:t>29/04/2016</a:t>
             </a:fld>
             <a:endParaRPr lang="en-GB"/>
           </a:p>
@@ -2110,7 +2110,7 @@
           <a:p>
             <a:fld id="{0DE2516B-978E-4FA6-9B09-ABFC1CAE7706}" type="datetimeFigureOut">
               <a:rPr lang="en-GB" smtClean="0"/>
-              <a:t>28/04/2016</a:t>
+              <a:t>29/04/2016</a:t>
             </a:fld>
             <a:endParaRPr lang="en-GB"/>
           </a:p>
@@ -2363,7 +2363,7 @@
           <a:p>
             <a:fld id="{0DE2516B-978E-4FA6-9B09-ABFC1CAE7706}" type="datetimeFigureOut">
               <a:rPr lang="en-GB" smtClean="0"/>
-              <a:t>28/04/2016</a:t>
+              <a:t>29/04/2016</a:t>
             </a:fld>
             <a:endParaRPr lang="en-GB"/>
           </a:p>
@@ -2576,7 +2576,7 @@
           <a:p>
             <a:fld id="{0DE2516B-978E-4FA6-9B09-ABFC1CAE7706}" type="datetimeFigureOut">
               <a:rPr lang="en-GB" smtClean="0"/>
-              <a:t>28/04/2016</a:t>
+              <a:t>29/04/2016</a:t>
             </a:fld>
             <a:endParaRPr lang="en-GB"/>
           </a:p>
@@ -3414,7 +3414,7 @@
         <p:spPr>
           <a:xfrm>
             <a:off x="6946414" y="2878738"/>
-            <a:ext cx="1670137" cy="923330"/>
+            <a:ext cx="3964803" cy="738664"/>
           </a:xfrm>
           <a:prstGeom prst="rect">
             <a:avLst/>
@@ -3432,10 +3432,9 @@
               <a:buChar char="•"/>
             </a:pPr>
             <a:r>
-              <a:rPr lang="en-GB" dirty="0" err="1" smtClean="0"/>
-              <a:t>getPlatforms</a:t>
-            </a:r>
-            <a:endParaRPr lang="en-GB" dirty="0" smtClean="0"/>
+              <a:rPr lang="nn-NO" sz="1400" dirty="0"/>
+              <a:t>http://mycode.barclays.com/platforms (GET)</a:t>
+            </a:r>
           </a:p>
           <a:p>
             <a:pPr marL="285750" indent="-285750">
@@ -3443,10 +3442,17 @@
               <a:buChar char="•"/>
             </a:pPr>
             <a:r>
-              <a:rPr lang="en-GB" dirty="0" err="1" smtClean="0"/>
-              <a:t>getPlatform</a:t>
-            </a:r>
-            <a:endParaRPr lang="en-GB" dirty="0" smtClean="0"/>
+              <a:rPr lang="nn-NO" sz="1400" dirty="0"/>
+              <a:t>http://mycode.barclays.com/content</a:t>
+            </a:r>
+            <a:r>
+              <a:rPr lang="nn-NO" sz="1400" dirty="0" smtClean="0"/>
+              <a:t>/[id] </a:t>
+            </a:r>
+            <a:r>
+              <a:rPr lang="nn-NO" sz="1400" dirty="0"/>
+              <a:t>(GET)</a:t>
+            </a:r>
           </a:p>
           <a:p>
             <a:pPr marL="285750" indent="-285750">
@@ -3454,10 +3460,22 @@
               <a:buChar char="•"/>
             </a:pPr>
             <a:r>
-              <a:rPr lang="en-GB" dirty="0" err="1" smtClean="0"/>
-              <a:t>getTutorial</a:t>
-            </a:r>
-            <a:endParaRPr lang="en-GB" dirty="0"/>
+              <a:rPr lang="nn-NO" sz="1400" dirty="0"/>
+              <a:t>http://mycode.barclays.com/tutorials</a:t>
+            </a:r>
+            <a:r>
+              <a:rPr lang="nn-NO" sz="1400" dirty="0" smtClean="0"/>
+              <a:t>/[id] </a:t>
+            </a:r>
+            <a:r>
+              <a:rPr lang="nn-NO" sz="1400" dirty="0"/>
+              <a:t>(GET</a:t>
+            </a:r>
+            <a:r>
+              <a:rPr lang="nn-NO" sz="1400" dirty="0" smtClean="0"/>
+              <a:t>)</a:t>
+            </a:r>
+            <a:endParaRPr lang="nn-NO" sz="1400" dirty="0"/>
           </a:p>
         </p:txBody>
       </p:sp>
@@ -3469,8 +3487,8 @@
         </p:nvSpPr>
         <p:spPr>
           <a:xfrm>
-            <a:off x="8481972" y="1198908"/>
-            <a:ext cx="1677832" cy="646331"/>
+            <a:off x="8470944" y="1379154"/>
+            <a:ext cx="3694601" cy="307777"/>
           </a:xfrm>
           <a:prstGeom prst="rect">
             <a:avLst/>
@@ -3481,28 +3499,22 @@
           <a:bodyPr wrap="none" rtlCol="0">
             <a:spAutoFit/>
           </a:bodyPr>
-          <a:lstStyle/>
-          <a:p>
-            <a:pPr marL="285750" indent="-285750">
+          <a:lstStyle>
+            <a:defPPr>
+              <a:defRPr lang="en-US"/>
+            </a:defPPr>
+            <a:lvl1pPr marL="285750" indent="-285750">
               <a:buFont typeface="Arial" panose="020B0604020202020204" pitchFamily="34" charset="0"/>
               <a:buChar char="•"/>
-            </a:pPr>
-            <a:r>
-              <a:rPr lang="en-GB" dirty="0" err="1" smtClean="0"/>
-              <a:t>executeBuild</a:t>
-            </a:r>
-            <a:endParaRPr lang="en-GB" dirty="0" smtClean="0"/>
-          </a:p>
-          <a:p>
-            <a:pPr marL="285750" indent="-285750">
-              <a:buFont typeface="Arial" panose="020B0604020202020204" pitchFamily="34" charset="0"/>
-              <a:buChar char="•"/>
-            </a:pPr>
-            <a:r>
-              <a:rPr lang="en-GB" dirty="0" err="1" smtClean="0"/>
-              <a:t>executeTest</a:t>
-            </a:r>
-            <a:endParaRPr lang="en-GB" dirty="0" smtClean="0"/>
+              <a:defRPr sz="1400"/>
+            </a:lvl1pPr>
+          </a:lstStyle>
+          <a:p>
+            <a:r>
+              <a:rPr lang="nn-NO" dirty="0"/>
+              <a:t>http://mycode.barclays.com/execute (POST)</a:t>
+            </a:r>
+            <a:endParaRPr lang="en-GB" dirty="0"/>
           </a:p>
         </p:txBody>
       </p:sp>

--- a/docs/Outline.pptx
+++ b/docs/Outline.pptx
@@ -2989,7 +2989,7 @@
         </p:nvSpPr>
         <p:spPr>
           <a:xfrm>
-            <a:off x="4474327" y="3864954"/>
+            <a:off x="3344772" y="3864954"/>
             <a:ext cx="2671763" cy="2503926"/>
           </a:xfrm>
           <a:prstGeom prst="round2SameRect">
@@ -3027,7 +3027,7 @@
         </p:nvSpPr>
         <p:spPr>
           <a:xfrm>
-            <a:off x="4557716" y="271467"/>
+            <a:off x="3428161" y="271467"/>
             <a:ext cx="2671763" cy="2503926"/>
           </a:xfrm>
           <a:prstGeom prst="round2SameRect">
@@ -3079,7 +3079,7 @@
         </p:blipFill>
         <p:spPr>
           <a:xfrm>
-            <a:off x="5810209" y="933454"/>
+            <a:off x="4680654" y="933454"/>
             <a:ext cx="914400" cy="914400"/>
           </a:xfrm>
           <a:prstGeom prst="rect">
@@ -3109,7 +3109,7 @@
         </p:blipFill>
         <p:spPr>
           <a:xfrm>
-            <a:off x="4895809" y="959539"/>
+            <a:off x="3766254" y="959539"/>
             <a:ext cx="914400" cy="914400"/>
           </a:xfrm>
           <a:prstGeom prst="rect">
@@ -3139,7 +3139,7 @@
         </p:blipFill>
         <p:spPr>
           <a:xfrm>
-            <a:off x="4895810" y="1847854"/>
+            <a:off x="3766255" y="1847854"/>
             <a:ext cx="1828800" cy="927539"/>
           </a:xfrm>
           <a:prstGeom prst="rect">
@@ -3169,7 +3169,7 @@
         </p:blipFill>
         <p:spPr>
           <a:xfrm>
-            <a:off x="5238650" y="4896219"/>
+            <a:off x="4109095" y="4896219"/>
             <a:ext cx="1183519" cy="1389348"/>
           </a:xfrm>
           <a:prstGeom prst="rect">
@@ -3199,7 +3199,7 @@
         </p:blipFill>
         <p:spPr>
           <a:xfrm>
-            <a:off x="4985104" y="4078045"/>
+            <a:off x="3855549" y="4078045"/>
             <a:ext cx="1690612" cy="724548"/>
           </a:xfrm>
           <a:prstGeom prst="rect">
@@ -3215,8 +3215,8 @@
         </p:nvSpPr>
         <p:spPr>
           <a:xfrm>
-            <a:off x="503404" y="4255653"/>
-            <a:ext cx="2866041" cy="369332"/>
+            <a:off x="162745" y="4255653"/>
+            <a:ext cx="2568973" cy="338554"/>
           </a:xfrm>
           <a:prstGeom prst="rect">
             <a:avLst/>
@@ -3230,10 +3230,10 @@
           <a:lstStyle/>
           <a:p>
             <a:r>
-              <a:rPr lang="en-GB" dirty="0" smtClean="0"/>
+              <a:rPr lang="en-GB" sz="1600" dirty="0" smtClean="0"/>
               <a:t>Rest API exposed via Node.js</a:t>
             </a:r>
-            <a:endParaRPr lang="en-GB" dirty="0"/>
+            <a:endParaRPr lang="en-GB" sz="1600" dirty="0"/>
           </a:p>
         </p:txBody>
       </p:sp>
@@ -3245,8 +3245,8 @@
         </p:nvSpPr>
         <p:spPr>
           <a:xfrm>
-            <a:off x="503404" y="5406227"/>
-            <a:ext cx="3470565" cy="369332"/>
+            <a:off x="162745" y="5406227"/>
+            <a:ext cx="3100913" cy="338554"/>
           </a:xfrm>
           <a:prstGeom prst="rect">
             <a:avLst/>
@@ -3260,14 +3260,14 @@
           <a:lstStyle/>
           <a:p>
             <a:r>
-              <a:rPr lang="en-GB" dirty="0" smtClean="0"/>
+              <a:rPr lang="en-GB" sz="1600" dirty="0" smtClean="0"/>
               <a:t>Content &amp; data stored in </a:t>
             </a:r>
             <a:r>
-              <a:rPr lang="en-GB" dirty="0" err="1" smtClean="0"/>
+              <a:rPr lang="en-GB" sz="1600" dirty="0" err="1" smtClean="0"/>
               <a:t>mongoDB</a:t>
             </a:r>
-            <a:endParaRPr lang="en-GB" dirty="0"/>
+            <a:endParaRPr lang="en-GB" sz="1600" dirty="0"/>
           </a:p>
         </p:txBody>
       </p:sp>
@@ -3279,8 +3279,8 @@
         </p:nvSpPr>
         <p:spPr>
           <a:xfrm>
-            <a:off x="503405" y="1338764"/>
-            <a:ext cx="3245825" cy="369332"/>
+            <a:off x="162746" y="1338764"/>
+            <a:ext cx="2904641" cy="338554"/>
           </a:xfrm>
           <a:prstGeom prst="rect">
             <a:avLst/>
@@ -3294,10 +3294,10 @@
           <a:lstStyle/>
           <a:p>
             <a:r>
-              <a:rPr lang="en-GB" dirty="0" smtClean="0"/>
+              <a:rPr lang="en-GB" sz="1600" dirty="0" smtClean="0"/>
               <a:t>HTML, CSS, jQuery responsive UI</a:t>
             </a:r>
-            <a:endParaRPr lang="en-GB" dirty="0"/>
+            <a:endParaRPr lang="en-GB" sz="1600" dirty="0"/>
           </a:p>
         </p:txBody>
       </p:sp>
@@ -3309,7 +3309,7 @@
         </p:nvSpPr>
         <p:spPr>
           <a:xfrm rot="5400000">
-            <a:off x="5487733" y="2995652"/>
+            <a:off x="4358178" y="2995652"/>
             <a:ext cx="910309" cy="649043"/>
           </a:xfrm>
           <a:prstGeom prst="rightArrow">
@@ -3361,7 +3361,7 @@
         </p:nvSpPr>
         <p:spPr>
           <a:xfrm>
-            <a:off x="7521947" y="1198908"/>
+            <a:off x="6325703" y="4956571"/>
             <a:ext cx="910309" cy="649043"/>
           </a:xfrm>
           <a:prstGeom prst="rightArrow">
@@ -3413,8 +3413,8 @@
         </p:nvSpPr>
         <p:spPr>
           <a:xfrm>
-            <a:off x="6946414" y="2878738"/>
-            <a:ext cx="3964803" cy="738664"/>
+            <a:off x="5292614" y="2906072"/>
+            <a:ext cx="3208251" cy="830997"/>
           </a:xfrm>
           <a:prstGeom prst="rect">
             <a:avLst/>
@@ -3427,55 +3427,61 @@
           </a:bodyPr>
           <a:lstStyle/>
           <a:p>
-            <a:pPr marL="285750" indent="-285750">
-              <a:buFont typeface="Arial" panose="020B0604020202020204" pitchFamily="34" charset="0"/>
-              <a:buChar char="•"/>
-            </a:pPr>
-            <a:r>
-              <a:rPr lang="nn-NO" sz="1400" dirty="0"/>
+            <a:r>
+              <a:rPr lang="nn-NO" sz="1200" dirty="0"/>
               <a:t>http://mycode.barclays.com/platforms (GET)</a:t>
             </a:r>
           </a:p>
           <a:p>
-            <a:pPr marL="285750" indent="-285750">
-              <a:buFont typeface="Arial" panose="020B0604020202020204" pitchFamily="34" charset="0"/>
-              <a:buChar char="•"/>
-            </a:pPr>
-            <a:r>
-              <a:rPr lang="nn-NO" sz="1400" dirty="0"/>
-              <a:t>http://mycode.barclays.com/content</a:t>
-            </a:r>
-            <a:r>
-              <a:rPr lang="nn-NO" sz="1400" dirty="0" smtClean="0"/>
-              <a:t>/[id] </a:t>
-            </a:r>
-            <a:r>
-              <a:rPr lang="nn-NO" sz="1400" dirty="0"/>
+            <a:r>
+              <a:rPr lang="nn-NO" sz="1200" dirty="0"/>
+              <a:t>http://</a:t>
+            </a:r>
+            <a:r>
+              <a:rPr lang="nn-NO" sz="1200" dirty="0" smtClean="0"/>
+              <a:t>mycode.barclays.com/platform/[ID] </a:t>
+            </a:r>
+            <a:r>
+              <a:rPr lang="nn-NO" sz="1200" dirty="0"/>
               <a:t>(GET)</a:t>
             </a:r>
           </a:p>
           <a:p>
-            <a:pPr marL="285750" indent="-285750">
-              <a:buFont typeface="Arial" panose="020B0604020202020204" pitchFamily="34" charset="0"/>
-              <a:buChar char="•"/>
-            </a:pPr>
-            <a:r>
-              <a:rPr lang="nn-NO" sz="1400" dirty="0"/>
-              <a:t>http://mycode.barclays.com/tutorials</a:t>
-            </a:r>
-            <a:r>
-              <a:rPr lang="nn-NO" sz="1400" dirty="0" smtClean="0"/>
-              <a:t>/[id] </a:t>
-            </a:r>
-            <a:r>
-              <a:rPr lang="nn-NO" sz="1400" dirty="0"/>
+            <a:r>
+              <a:rPr lang="nn-NO" sz="1200" dirty="0"/>
+              <a:t>http://</a:t>
+            </a:r>
+            <a:r>
+              <a:rPr lang="nn-NO" sz="1200" dirty="0" smtClean="0"/>
+              <a:t>mycode.barclays.com/tutorial/[ID] </a:t>
+            </a:r>
+            <a:r>
+              <a:rPr lang="nn-NO" sz="1200" dirty="0"/>
               <a:t>(GET</a:t>
             </a:r>
             <a:r>
-              <a:rPr lang="nn-NO" sz="1400" dirty="0" smtClean="0"/>
+              <a:rPr lang="nn-NO" sz="1200" dirty="0" smtClean="0"/>
               <a:t>)</a:t>
             </a:r>
-            <a:endParaRPr lang="nn-NO" sz="1400" dirty="0"/>
+          </a:p>
+          <a:p>
+            <a:r>
+              <a:rPr lang="nn-NO" sz="1200" dirty="0"/>
+              <a:t>http://</a:t>
+            </a:r>
+            <a:r>
+              <a:rPr lang="nn-NO" sz="1200" dirty="0" smtClean="0"/>
+              <a:t>mycode.barclays.com/tutorial/[ID] </a:t>
+            </a:r>
+            <a:r>
+              <a:rPr lang="nn-NO" sz="1200" dirty="0"/>
+              <a:t>(POST</a:t>
+            </a:r>
+            <a:r>
+              <a:rPr lang="nn-NO" sz="1200" dirty="0" smtClean="0"/>
+              <a:t>)</a:t>
+            </a:r>
+            <a:endParaRPr lang="en-GB" sz="1200" dirty="0"/>
           </a:p>
         </p:txBody>
       </p:sp>
@@ -3487,8 +3493,8 @@
         </p:nvSpPr>
         <p:spPr>
           <a:xfrm>
-            <a:off x="8470944" y="1379154"/>
-            <a:ext cx="3694601" cy="307777"/>
+            <a:off x="7274700" y="5136817"/>
+            <a:ext cx="1780296" cy="276999"/>
           </a:xfrm>
           <a:prstGeom prst="rect">
             <a:avLst/>
@@ -3510,164 +3516,246 @@
             </a:lvl1pPr>
           </a:lstStyle>
           <a:p>
-            <a:r>
-              <a:rPr lang="nn-NO" dirty="0"/>
-              <a:t>http://mycode.barclays.com/execute (POST)</a:t>
-            </a:r>
-            <a:endParaRPr lang="en-GB" dirty="0"/>
-          </a:p>
-        </p:txBody>
-      </p:sp>
-      <p:sp>
-        <p:nvSpPr>
-          <p:cNvPr id="2" name="TextBox 1"/>
-          <p:cNvSpPr txBox="1"/>
+            <a:pPr marL="0" indent="0">
+              <a:buNone/>
+            </a:pPr>
+            <a:r>
+              <a:rPr lang="nn-NO" sz="1200" dirty="0"/>
+              <a:t>Asset exposed API (POST</a:t>
+            </a:r>
+            <a:r>
+              <a:rPr lang="nn-NO" sz="1200" dirty="0"/>
+              <a:t>)</a:t>
+            </a:r>
+            <a:endParaRPr lang="en-GB" sz="1200" dirty="0"/>
+          </a:p>
+        </p:txBody>
+      </p:sp>
+      <p:grpSp>
+        <p:nvGrpSpPr>
+          <p:cNvPr id="25" name="Group 24"/>
+          <p:cNvGrpSpPr/>
           <p:nvPr/>
-        </p:nvSpPr>
-        <p:spPr>
+        </p:nvGrpSpPr>
+        <p:grpSpPr>
           <a:xfrm>
-            <a:off x="8991600" y="4545106"/>
-            <a:ext cx="2176814" cy="369332"/>
+            <a:off x="6325703" y="188498"/>
+            <a:ext cx="4706290" cy="1228241"/>
+            <a:chOff x="6562159" y="4545106"/>
+            <a:chExt cx="4706290" cy="1228241"/>
           </a:xfrm>
-          <a:prstGeom prst="rect">
-            <a:avLst/>
-          </a:prstGeom>
-          <a:noFill/>
-        </p:spPr>
-        <p:txBody>
-          <a:bodyPr wrap="none" rtlCol="0">
-            <a:spAutoFit/>
-          </a:bodyPr>
-          <a:lstStyle/>
-          <a:p>
-            <a:r>
-              <a:rPr lang="en-GB" dirty="0" smtClean="0"/>
-              <a:t>Development Tooling</a:t>
-            </a:r>
-            <a:endParaRPr lang="en-GB" dirty="0"/>
-          </a:p>
-        </p:txBody>
-      </p:sp>
-      <p:pic>
-        <p:nvPicPr>
-          <p:cNvPr id="16" name="Picture 15"/>
-          <p:cNvPicPr>
-            <a:picLocks noChangeAspect="1"/>
-          </p:cNvPicPr>
-          <p:nvPr/>
-        </p:nvPicPr>
-        <p:blipFill>
-          <a:blip r:embed="rId7" cstate="print">
-            <a:extLst>
-              <a:ext uri="{28A0092B-C50C-407E-A947-70E740481C1C}">
-                <a14:useLocalDpi xmlns:a14="http://schemas.microsoft.com/office/drawing/2010/main" val="0"/>
-              </a:ext>
-            </a:extLst>
-          </a:blip>
-          <a:stretch>
-            <a:fillRect/>
-          </a:stretch>
-        </p:blipFill>
-        <p:spPr>
-          <a:xfrm>
-            <a:off x="9481710" y="4976574"/>
-            <a:ext cx="1196594" cy="629177"/>
-          </a:xfrm>
-          <a:prstGeom prst="rect">
-            <a:avLst/>
-          </a:prstGeom>
-        </p:spPr>
-      </p:pic>
-      <p:pic>
-        <p:nvPicPr>
-          <p:cNvPr id="18" name="Picture 17"/>
-          <p:cNvPicPr>
-            <a:picLocks noChangeAspect="1"/>
-          </p:cNvPicPr>
-          <p:nvPr/>
-        </p:nvPicPr>
-        <p:blipFill>
-          <a:blip r:embed="rId8">
-            <a:extLst>
-              <a:ext uri="{28A0092B-C50C-407E-A947-70E740481C1C}">
-                <a14:useLocalDpi xmlns:a14="http://schemas.microsoft.com/office/drawing/2010/main" val="0"/>
-              </a:ext>
-            </a:extLst>
-          </a:blip>
-          <a:stretch>
-            <a:fillRect/>
-          </a:stretch>
-        </p:blipFill>
-        <p:spPr>
-          <a:xfrm>
-            <a:off x="11166805" y="4979582"/>
-            <a:ext cx="626169" cy="626169"/>
-          </a:xfrm>
-          <a:prstGeom prst="rect">
-            <a:avLst/>
-          </a:prstGeom>
-        </p:spPr>
-      </p:pic>
-      <p:pic>
-        <p:nvPicPr>
-          <p:cNvPr id="3" name="Picture 2"/>
-          <p:cNvPicPr>
-            <a:picLocks noChangeAspect="1"/>
-          </p:cNvPicPr>
-          <p:nvPr/>
-        </p:nvPicPr>
-        <p:blipFill>
-          <a:blip r:embed="rId9" cstate="print">
-            <a:extLst>
-              <a:ext uri="{28A0092B-C50C-407E-A947-70E740481C1C}">
-                <a14:useLocalDpi xmlns:a14="http://schemas.microsoft.com/office/drawing/2010/main" val="0"/>
-              </a:ext>
-            </a:extLst>
-          </a:blip>
-          <a:stretch>
-            <a:fillRect/>
-          </a:stretch>
-        </p:blipFill>
-        <p:spPr>
-          <a:xfrm>
-            <a:off x="8991600" y="4976574"/>
-            <a:ext cx="677193" cy="677193"/>
-          </a:xfrm>
-          <a:prstGeom prst="rect">
-            <a:avLst/>
-          </a:prstGeom>
-        </p:spPr>
-      </p:pic>
-      <p:pic>
-        <p:nvPicPr>
-          <p:cNvPr id="20" name="Picture 19"/>
-          <p:cNvPicPr>
-            <a:picLocks noChangeAspect="1"/>
-          </p:cNvPicPr>
-          <p:nvPr/>
-        </p:nvPicPr>
-        <p:blipFill>
-          <a:blip r:embed="rId10" cstate="print">
-            <a:extLst>
-              <a:ext uri="{28A0092B-C50C-407E-A947-70E740481C1C}">
-                <a14:useLocalDpi xmlns:a14="http://schemas.microsoft.com/office/drawing/2010/main" val="0"/>
-              </a:ext>
-            </a:extLst>
-          </a:blip>
-          <a:stretch>
-            <a:fillRect/>
-          </a:stretch>
-        </p:blipFill>
-        <p:spPr>
-          <a:xfrm>
-            <a:off x="10518875" y="4992531"/>
-            <a:ext cx="569538" cy="569538"/>
-          </a:xfrm>
-          <a:prstGeom prst="rect">
-            <a:avLst/>
-          </a:prstGeom>
-        </p:spPr>
-      </p:pic>
+        </p:grpSpPr>
+        <p:sp>
+          <p:nvSpPr>
+            <p:cNvPr id="2" name="TextBox 1"/>
+            <p:cNvSpPr txBox="1"/>
+            <p:nvPr/>
+          </p:nvSpPr>
+          <p:spPr>
+            <a:xfrm>
+              <a:off x="6562159" y="4545106"/>
+              <a:ext cx="3004797" cy="369332"/>
+            </a:xfrm>
+            <a:prstGeom prst="rect">
+              <a:avLst/>
+            </a:prstGeom>
+            <a:noFill/>
+          </p:spPr>
+          <p:txBody>
+            <a:bodyPr wrap="none" rtlCol="0">
+              <a:spAutoFit/>
+            </a:bodyPr>
+            <a:lstStyle/>
+            <a:p>
+              <a:r>
+                <a:rPr lang="en-GB" dirty="0" smtClean="0"/>
+                <a:t>Development &amp; Infrastructure</a:t>
+              </a:r>
+              <a:endParaRPr lang="en-GB" dirty="0"/>
+            </a:p>
+          </p:txBody>
+        </p:sp>
+        <p:pic>
+          <p:nvPicPr>
+            <p:cNvPr id="16" name="Picture 15"/>
+            <p:cNvPicPr>
+              <a:picLocks noChangeAspect="1"/>
+            </p:cNvPicPr>
+            <p:nvPr/>
+          </p:nvPicPr>
+          <p:blipFill>
+            <a:blip r:embed="rId7" cstate="print">
+              <a:extLst>
+                <a:ext uri="{28A0092B-C50C-407E-A947-70E740481C1C}">
+                  <a14:useLocalDpi xmlns:a14="http://schemas.microsoft.com/office/drawing/2010/main" val="0"/>
+                </a:ext>
+              </a:extLst>
+            </a:blip>
+            <a:stretch>
+              <a:fillRect/>
+            </a:stretch>
+          </p:blipFill>
+          <p:spPr>
+            <a:xfrm>
+              <a:off x="7823230" y="4976574"/>
+              <a:ext cx="1196594" cy="629177"/>
+            </a:xfrm>
+            <a:prstGeom prst="rect">
+              <a:avLst/>
+            </a:prstGeom>
+          </p:spPr>
+        </p:pic>
+        <p:pic>
+          <p:nvPicPr>
+            <p:cNvPr id="18" name="Picture 17"/>
+            <p:cNvPicPr>
+              <a:picLocks noChangeAspect="1"/>
+            </p:cNvPicPr>
+            <p:nvPr/>
+          </p:nvPicPr>
+          <p:blipFill>
+            <a:blip r:embed="rId8">
+              <a:extLst>
+                <a:ext uri="{28A0092B-C50C-407E-A947-70E740481C1C}">
+                  <a14:useLocalDpi xmlns:a14="http://schemas.microsoft.com/office/drawing/2010/main" val="0"/>
+                </a:ext>
+              </a:extLst>
+            </a:blip>
+            <a:stretch>
+              <a:fillRect/>
+            </a:stretch>
+          </p:blipFill>
+          <p:spPr>
+            <a:xfrm>
+              <a:off x="8737364" y="4979582"/>
+              <a:ext cx="626169" cy="626169"/>
+            </a:xfrm>
+            <a:prstGeom prst="rect">
+              <a:avLst/>
+            </a:prstGeom>
+          </p:spPr>
+        </p:pic>
+        <p:pic>
+          <p:nvPicPr>
+            <p:cNvPr id="3" name="Picture 2"/>
+            <p:cNvPicPr>
+              <a:picLocks noChangeAspect="1"/>
+            </p:cNvPicPr>
+            <p:nvPr/>
+          </p:nvPicPr>
+          <p:blipFill>
+            <a:blip r:embed="rId9" cstate="print">
+              <a:extLst>
+                <a:ext uri="{28A0092B-C50C-407E-A947-70E740481C1C}">
+                  <a14:useLocalDpi xmlns:a14="http://schemas.microsoft.com/office/drawing/2010/main" val="0"/>
+                </a:ext>
+              </a:extLst>
+            </a:blip>
+            <a:stretch>
+              <a:fillRect/>
+            </a:stretch>
+          </p:blipFill>
+          <p:spPr>
+            <a:xfrm>
+              <a:off x="7333120" y="4976574"/>
+              <a:ext cx="677193" cy="677193"/>
+            </a:xfrm>
+            <a:prstGeom prst="rect">
+              <a:avLst/>
+            </a:prstGeom>
+          </p:spPr>
+        </p:pic>
+        <p:pic>
+          <p:nvPicPr>
+            <p:cNvPr id="20" name="Picture 19"/>
+            <p:cNvPicPr>
+              <a:picLocks noChangeAspect="1"/>
+            </p:cNvPicPr>
+            <p:nvPr/>
+          </p:nvPicPr>
+          <p:blipFill>
+            <a:blip r:embed="rId10" cstate="print">
+              <a:extLst>
+                <a:ext uri="{28A0092B-C50C-407E-A947-70E740481C1C}">
+                  <a14:useLocalDpi xmlns:a14="http://schemas.microsoft.com/office/drawing/2010/main" val="0"/>
+                </a:ext>
+              </a:extLst>
+            </a:blip>
+            <a:stretch>
+              <a:fillRect/>
+            </a:stretch>
+          </p:blipFill>
+          <p:spPr>
+            <a:xfrm>
+              <a:off x="6675861" y="5018283"/>
+              <a:ext cx="569538" cy="569538"/>
+            </a:xfrm>
+            <a:prstGeom prst="rect">
+              <a:avLst/>
+            </a:prstGeom>
+          </p:spPr>
+        </p:pic>
+        <p:pic>
+          <p:nvPicPr>
+            <p:cNvPr id="21" name="Picture 20"/>
+            <p:cNvPicPr>
+              <a:picLocks noChangeAspect="1"/>
+            </p:cNvPicPr>
+            <p:nvPr/>
+          </p:nvPicPr>
+          <p:blipFill>
+            <a:blip r:embed="rId11" cstate="print">
+              <a:extLst>
+                <a:ext uri="{28A0092B-C50C-407E-A947-70E740481C1C}">
+                  <a14:useLocalDpi xmlns:a14="http://schemas.microsoft.com/office/drawing/2010/main" val="0"/>
+                </a:ext>
+              </a:extLst>
+            </a:blip>
+            <a:stretch>
+              <a:fillRect/>
+            </a:stretch>
+          </p:blipFill>
+          <p:spPr>
+            <a:xfrm>
+              <a:off x="9386046" y="4882454"/>
+              <a:ext cx="890893" cy="890893"/>
+            </a:xfrm>
+            <a:prstGeom prst="rect">
+              <a:avLst/>
+            </a:prstGeom>
+          </p:spPr>
+        </p:pic>
+        <p:pic>
+          <p:nvPicPr>
+            <p:cNvPr id="22" name="Picture 21"/>
+            <p:cNvPicPr>
+              <a:picLocks noChangeAspect="1"/>
+            </p:cNvPicPr>
+            <p:nvPr/>
+          </p:nvPicPr>
+          <p:blipFill>
+            <a:blip r:embed="rId12">
+              <a:extLst>
+                <a:ext uri="{28A0092B-C50C-407E-A947-70E740481C1C}">
+                  <a14:useLocalDpi xmlns:a14="http://schemas.microsoft.com/office/drawing/2010/main" val="0"/>
+                </a:ext>
+              </a:extLst>
+            </a:blip>
+            <a:stretch>
+              <a:fillRect/>
+            </a:stretch>
+          </p:blipFill>
+          <p:spPr>
+            <a:xfrm>
+              <a:off x="10317382" y="4806075"/>
+              <a:ext cx="951067" cy="951067"/>
+            </a:xfrm>
+            <a:prstGeom prst="rect">
+              <a:avLst/>
+            </a:prstGeom>
+          </p:spPr>
+        </p:pic>
+      </p:grpSp>
     </p:spTree>
     <p:extLst>
       <p:ext uri="{BB962C8B-B14F-4D97-AF65-F5344CB8AC3E}">

--- a/docs/Outline.pptx
+++ b/docs/Outline.pptx
@@ -255,7 +255,7 @@
           <a:p>
             <a:fld id="{0DE2516B-978E-4FA6-9B09-ABFC1CAE7706}" type="datetimeFigureOut">
               <a:rPr lang="en-GB" smtClean="0"/>
-              <a:t>29/04/2016</a:t>
+              <a:t>07/05/2016</a:t>
             </a:fld>
             <a:endParaRPr lang="en-GB"/>
           </a:p>
@@ -425,7 +425,7 @@
           <a:p>
             <a:fld id="{0DE2516B-978E-4FA6-9B09-ABFC1CAE7706}" type="datetimeFigureOut">
               <a:rPr lang="en-GB" smtClean="0"/>
-              <a:t>29/04/2016</a:t>
+              <a:t>07/05/2016</a:t>
             </a:fld>
             <a:endParaRPr lang="en-GB"/>
           </a:p>
@@ -605,7 +605,7 @@
           <a:p>
             <a:fld id="{0DE2516B-978E-4FA6-9B09-ABFC1CAE7706}" type="datetimeFigureOut">
               <a:rPr lang="en-GB" smtClean="0"/>
-              <a:t>29/04/2016</a:t>
+              <a:t>07/05/2016</a:t>
             </a:fld>
             <a:endParaRPr lang="en-GB"/>
           </a:p>
@@ -775,7 +775,7 @@
           <a:p>
             <a:fld id="{0DE2516B-978E-4FA6-9B09-ABFC1CAE7706}" type="datetimeFigureOut">
               <a:rPr lang="en-GB" smtClean="0"/>
-              <a:t>29/04/2016</a:t>
+              <a:t>07/05/2016</a:t>
             </a:fld>
             <a:endParaRPr lang="en-GB"/>
           </a:p>
@@ -1021,7 +1021,7 @@
           <a:p>
             <a:fld id="{0DE2516B-978E-4FA6-9B09-ABFC1CAE7706}" type="datetimeFigureOut">
               <a:rPr lang="en-GB" smtClean="0"/>
-              <a:t>29/04/2016</a:t>
+              <a:t>07/05/2016</a:t>
             </a:fld>
             <a:endParaRPr lang="en-GB"/>
           </a:p>
@@ -1253,7 +1253,7 @@
           <a:p>
             <a:fld id="{0DE2516B-978E-4FA6-9B09-ABFC1CAE7706}" type="datetimeFigureOut">
               <a:rPr lang="en-GB" smtClean="0"/>
-              <a:t>29/04/2016</a:t>
+              <a:t>07/05/2016</a:t>
             </a:fld>
             <a:endParaRPr lang="en-GB"/>
           </a:p>
@@ -1620,7 +1620,7 @@
           <a:p>
             <a:fld id="{0DE2516B-978E-4FA6-9B09-ABFC1CAE7706}" type="datetimeFigureOut">
               <a:rPr lang="en-GB" smtClean="0"/>
-              <a:t>29/04/2016</a:t>
+              <a:t>07/05/2016</a:t>
             </a:fld>
             <a:endParaRPr lang="en-GB"/>
           </a:p>
@@ -1738,7 +1738,7 @@
           <a:p>
             <a:fld id="{0DE2516B-978E-4FA6-9B09-ABFC1CAE7706}" type="datetimeFigureOut">
               <a:rPr lang="en-GB" smtClean="0"/>
-              <a:t>29/04/2016</a:t>
+              <a:t>07/05/2016</a:t>
             </a:fld>
             <a:endParaRPr lang="en-GB"/>
           </a:p>
@@ -1833,7 +1833,7 @@
           <a:p>
             <a:fld id="{0DE2516B-978E-4FA6-9B09-ABFC1CAE7706}" type="datetimeFigureOut">
               <a:rPr lang="en-GB" smtClean="0"/>
-              <a:t>29/04/2016</a:t>
+              <a:t>07/05/2016</a:t>
             </a:fld>
             <a:endParaRPr lang="en-GB"/>
           </a:p>
@@ -2110,7 +2110,7 @@
           <a:p>
             <a:fld id="{0DE2516B-978E-4FA6-9B09-ABFC1CAE7706}" type="datetimeFigureOut">
               <a:rPr lang="en-GB" smtClean="0"/>
-              <a:t>29/04/2016</a:t>
+              <a:t>07/05/2016</a:t>
             </a:fld>
             <a:endParaRPr lang="en-GB"/>
           </a:p>
@@ -2363,7 +2363,7 @@
           <a:p>
             <a:fld id="{0DE2516B-978E-4FA6-9B09-ABFC1CAE7706}" type="datetimeFigureOut">
               <a:rPr lang="en-GB" smtClean="0"/>
-              <a:t>29/04/2016</a:t>
+              <a:t>07/05/2016</a:t>
             </a:fld>
             <a:endParaRPr lang="en-GB"/>
           </a:p>
@@ -2576,7 +2576,7 @@
           <a:p>
             <a:fld id="{0DE2516B-978E-4FA6-9B09-ABFC1CAE7706}" type="datetimeFigureOut">
               <a:rPr lang="en-GB" smtClean="0"/>
-              <a:t>29/04/2016</a:t>
+              <a:t>07/05/2016</a:t>
             </a:fld>
             <a:endParaRPr lang="en-GB"/>
           </a:p>
@@ -3413,8 +3413,8 @@
         </p:nvSpPr>
         <p:spPr>
           <a:xfrm>
-            <a:off x="5292614" y="2906072"/>
-            <a:ext cx="3208251" cy="830997"/>
+            <a:off x="5292614" y="2935471"/>
+            <a:ext cx="3207160" cy="646331"/>
           </a:xfrm>
           <a:prstGeom prst="rect">
             <a:avLst/>
@@ -3429,17 +3429,11 @@
           <a:p>
             <a:r>
               <a:rPr lang="nn-NO" sz="1200" dirty="0"/>
-              <a:t>http://mycode.barclays.com/platforms (GET)</a:t>
-            </a:r>
-          </a:p>
-          <a:p>
-            <a:r>
-              <a:rPr lang="nn-NO" sz="1200" dirty="0"/>
               <a:t>http://</a:t>
             </a:r>
             <a:r>
               <a:rPr lang="nn-NO" sz="1200" dirty="0" smtClean="0"/>
-              <a:t>mycode.barclays.com/platform/[ID] </a:t>
+              <a:t>mycode.barclays.com/tutorials </a:t>
             </a:r>
             <a:r>
               <a:rPr lang="nn-NO" sz="1200" dirty="0"/>
@@ -3448,8 +3442,12 @@
           </a:p>
           <a:p>
             <a:r>
+              <a:rPr lang="nn-NO" sz="1200" dirty="0" smtClean="0"/>
+              <a:t>http</a:t>
+            </a:r>
+            <a:r>
               <a:rPr lang="nn-NO" sz="1200" dirty="0"/>
-              <a:t>http://</a:t>
+              <a:t>://</a:t>
             </a:r>
             <a:r>
               <a:rPr lang="nn-NO" sz="1200" dirty="0" smtClean="0"/>
@@ -3521,11 +3519,7 @@
             </a:pPr>
             <a:r>
               <a:rPr lang="nn-NO" sz="1200" dirty="0"/>
-              <a:t>Asset exposed API (POST</a:t>
-            </a:r>
-            <a:r>
-              <a:rPr lang="nn-NO" sz="1200" dirty="0"/>
-              <a:t>)</a:t>
+              <a:t>Asset exposed API (POST)</a:t>
             </a:r>
             <a:endParaRPr lang="en-GB" sz="1200" dirty="0"/>
           </a:p>
@@ -3539,10 +3533,10 @@
         </p:nvGrpSpPr>
         <p:grpSpPr>
           <a:xfrm>
-            <a:off x="6325703" y="188498"/>
-            <a:ext cx="4706290" cy="1228241"/>
-            <a:chOff x="6562159" y="4545106"/>
-            <a:chExt cx="4706290" cy="1228241"/>
+            <a:off x="6171295" y="-1989194"/>
+            <a:ext cx="7087856" cy="6655915"/>
+            <a:chOff x="3189083" y="4545106"/>
+            <a:chExt cx="7087856" cy="6655915"/>
           </a:xfrm>
         </p:grpSpPr>
         <p:sp>
@@ -3747,7 +3741,7 @@
           </p:blipFill>
           <p:spPr>
             <a:xfrm>
-              <a:off x="10317382" y="4806075"/>
+              <a:off x="3189083" y="10249954"/>
               <a:ext cx="951067" cy="951067"/>
             </a:xfrm>
             <a:prstGeom prst="rect">

--- a/docs/Outline.pptx
+++ b/docs/Outline.pptx
@@ -255,7 +255,7 @@
           <a:p>
             <a:fld id="{0DE2516B-978E-4FA6-9B09-ABFC1CAE7706}" type="datetimeFigureOut">
               <a:rPr lang="en-GB" smtClean="0"/>
-              <a:t>07/05/2016</a:t>
+              <a:t>08/05/2016</a:t>
             </a:fld>
             <a:endParaRPr lang="en-GB"/>
           </a:p>
@@ -425,7 +425,7 @@
           <a:p>
             <a:fld id="{0DE2516B-978E-4FA6-9B09-ABFC1CAE7706}" type="datetimeFigureOut">
               <a:rPr lang="en-GB" smtClean="0"/>
-              <a:t>07/05/2016</a:t>
+              <a:t>08/05/2016</a:t>
             </a:fld>
             <a:endParaRPr lang="en-GB"/>
           </a:p>
@@ -605,7 +605,7 @@
           <a:p>
             <a:fld id="{0DE2516B-978E-4FA6-9B09-ABFC1CAE7706}" type="datetimeFigureOut">
               <a:rPr lang="en-GB" smtClean="0"/>
-              <a:t>07/05/2016</a:t>
+              <a:t>08/05/2016</a:t>
             </a:fld>
             <a:endParaRPr lang="en-GB"/>
           </a:p>
@@ -775,7 +775,7 @@
           <a:p>
             <a:fld id="{0DE2516B-978E-4FA6-9B09-ABFC1CAE7706}" type="datetimeFigureOut">
               <a:rPr lang="en-GB" smtClean="0"/>
-              <a:t>07/05/2016</a:t>
+              <a:t>08/05/2016</a:t>
             </a:fld>
             <a:endParaRPr lang="en-GB"/>
           </a:p>
@@ -1021,7 +1021,7 @@
           <a:p>
             <a:fld id="{0DE2516B-978E-4FA6-9B09-ABFC1CAE7706}" type="datetimeFigureOut">
               <a:rPr lang="en-GB" smtClean="0"/>
-              <a:t>07/05/2016</a:t>
+              <a:t>08/05/2016</a:t>
             </a:fld>
             <a:endParaRPr lang="en-GB"/>
           </a:p>
@@ -1253,7 +1253,7 @@
           <a:p>
             <a:fld id="{0DE2516B-978E-4FA6-9B09-ABFC1CAE7706}" type="datetimeFigureOut">
               <a:rPr lang="en-GB" smtClean="0"/>
-              <a:t>07/05/2016</a:t>
+              <a:t>08/05/2016</a:t>
             </a:fld>
             <a:endParaRPr lang="en-GB"/>
           </a:p>
@@ -1620,7 +1620,7 @@
           <a:p>
             <a:fld id="{0DE2516B-978E-4FA6-9B09-ABFC1CAE7706}" type="datetimeFigureOut">
               <a:rPr lang="en-GB" smtClean="0"/>
-              <a:t>07/05/2016</a:t>
+              <a:t>08/05/2016</a:t>
             </a:fld>
             <a:endParaRPr lang="en-GB"/>
           </a:p>
@@ -1738,7 +1738,7 @@
           <a:p>
             <a:fld id="{0DE2516B-978E-4FA6-9B09-ABFC1CAE7706}" type="datetimeFigureOut">
               <a:rPr lang="en-GB" smtClean="0"/>
-              <a:t>07/05/2016</a:t>
+              <a:t>08/05/2016</a:t>
             </a:fld>
             <a:endParaRPr lang="en-GB"/>
           </a:p>
@@ -1833,7 +1833,7 @@
           <a:p>
             <a:fld id="{0DE2516B-978E-4FA6-9B09-ABFC1CAE7706}" type="datetimeFigureOut">
               <a:rPr lang="en-GB" smtClean="0"/>
-              <a:t>07/05/2016</a:t>
+              <a:t>08/05/2016</a:t>
             </a:fld>
             <a:endParaRPr lang="en-GB"/>
           </a:p>
@@ -2110,7 +2110,7 @@
           <a:p>
             <a:fld id="{0DE2516B-978E-4FA6-9B09-ABFC1CAE7706}" type="datetimeFigureOut">
               <a:rPr lang="en-GB" smtClean="0"/>
-              <a:t>07/05/2016</a:t>
+              <a:t>08/05/2016</a:t>
             </a:fld>
             <a:endParaRPr lang="en-GB"/>
           </a:p>
@@ -2363,7 +2363,7 @@
           <a:p>
             <a:fld id="{0DE2516B-978E-4FA6-9B09-ABFC1CAE7706}" type="datetimeFigureOut">
               <a:rPr lang="en-GB" smtClean="0"/>
-              <a:t>07/05/2016</a:t>
+              <a:t>08/05/2016</a:t>
             </a:fld>
             <a:endParaRPr lang="en-GB"/>
           </a:p>
@@ -2576,7 +2576,7 @@
           <a:p>
             <a:fld id="{0DE2516B-978E-4FA6-9B09-ABFC1CAE7706}" type="datetimeFigureOut">
               <a:rPr lang="en-GB" smtClean="0"/>
-              <a:t>07/05/2016</a:t>
+              <a:t>08/05/2016</a:t>
             </a:fld>
             <a:endParaRPr lang="en-GB"/>
           </a:p>
@@ -3149,7 +3149,7 @@
       </p:pic>
       <p:pic>
         <p:nvPicPr>
-          <p:cNvPr id="7" name="Picture 6"/>
+          <p:cNvPr id="8" name="Picture 7"/>
           <p:cNvPicPr>
             <a:picLocks noChangeAspect="1"/>
           </p:cNvPicPr>
@@ -3169,17 +3169,335 @@
         </p:blipFill>
         <p:spPr>
           <a:xfrm>
-            <a:off x="4109095" y="4896219"/>
-            <a:ext cx="1183519" cy="1389348"/>
+            <a:off x="3855549" y="4078045"/>
+            <a:ext cx="1690612" cy="724548"/>
           </a:xfrm>
           <a:prstGeom prst="rect">
             <a:avLst/>
           </a:prstGeom>
         </p:spPr>
       </p:pic>
+      <p:sp>
+        <p:nvSpPr>
+          <p:cNvPr id="11" name="TextBox 10"/>
+          <p:cNvSpPr txBox="1"/>
+          <p:nvPr/>
+        </p:nvSpPr>
+        <p:spPr>
+          <a:xfrm>
+            <a:off x="162745" y="4255653"/>
+            <a:ext cx="2568973" cy="338554"/>
+          </a:xfrm>
+          <a:prstGeom prst="rect">
+            <a:avLst/>
+          </a:prstGeom>
+          <a:noFill/>
+        </p:spPr>
+        <p:txBody>
+          <a:bodyPr wrap="none" rtlCol="0">
+            <a:spAutoFit/>
+          </a:bodyPr>
+          <a:lstStyle/>
+          <a:p>
+            <a:r>
+              <a:rPr lang="en-GB" sz="1600" dirty="0" smtClean="0"/>
+              <a:t>Rest API exposed via Node.js</a:t>
+            </a:r>
+            <a:endParaRPr lang="en-GB" sz="1600" dirty="0"/>
+          </a:p>
+        </p:txBody>
+      </p:sp>
+      <p:sp>
+        <p:nvSpPr>
+          <p:cNvPr id="12" name="TextBox 11"/>
+          <p:cNvSpPr txBox="1"/>
+          <p:nvPr/>
+        </p:nvSpPr>
+        <p:spPr>
+          <a:xfrm>
+            <a:off x="162745" y="5406227"/>
+            <a:ext cx="3100913" cy="338554"/>
+          </a:xfrm>
+          <a:prstGeom prst="rect">
+            <a:avLst/>
+          </a:prstGeom>
+          <a:noFill/>
+        </p:spPr>
+        <p:txBody>
+          <a:bodyPr wrap="none" rtlCol="0">
+            <a:spAutoFit/>
+          </a:bodyPr>
+          <a:lstStyle/>
+          <a:p>
+            <a:r>
+              <a:rPr lang="en-GB" sz="1600" dirty="0" smtClean="0"/>
+              <a:t>Content &amp; data stored in </a:t>
+            </a:r>
+            <a:r>
+              <a:rPr lang="en-GB" sz="1600" dirty="0" err="1" smtClean="0"/>
+              <a:t>mongoDB</a:t>
+            </a:r>
+            <a:endParaRPr lang="en-GB" sz="1600" dirty="0"/>
+          </a:p>
+        </p:txBody>
+      </p:sp>
+      <p:sp>
+        <p:nvSpPr>
+          <p:cNvPr id="13" name="TextBox 12"/>
+          <p:cNvSpPr txBox="1"/>
+          <p:nvPr/>
+        </p:nvSpPr>
+        <p:spPr>
+          <a:xfrm>
+            <a:off x="162746" y="1338764"/>
+            <a:ext cx="2904641" cy="338554"/>
+          </a:xfrm>
+          <a:prstGeom prst="rect">
+            <a:avLst/>
+          </a:prstGeom>
+          <a:noFill/>
+        </p:spPr>
+        <p:txBody>
+          <a:bodyPr wrap="none" rtlCol="0">
+            <a:spAutoFit/>
+          </a:bodyPr>
+          <a:lstStyle/>
+          <a:p>
+            <a:r>
+              <a:rPr lang="en-GB" sz="1600" dirty="0" smtClean="0"/>
+              <a:t>HTML, CSS, jQuery responsive UI</a:t>
+            </a:r>
+            <a:endParaRPr lang="en-GB" sz="1600" dirty="0"/>
+          </a:p>
+        </p:txBody>
+      </p:sp>
+      <p:sp>
+        <p:nvSpPr>
+          <p:cNvPr id="14" name="Right Arrow 13"/>
+          <p:cNvSpPr/>
+          <p:nvPr/>
+        </p:nvSpPr>
+        <p:spPr>
+          <a:xfrm rot="5400000">
+            <a:off x="4358178" y="2995652"/>
+            <a:ext cx="910309" cy="649043"/>
+          </a:xfrm>
+          <a:prstGeom prst="rightArrow">
+            <a:avLst/>
+          </a:prstGeom>
+          <a:solidFill>
+            <a:schemeClr val="bg1">
+              <a:lumMod val="85000"/>
+            </a:schemeClr>
+          </a:solidFill>
+          <a:ln>
+            <a:solidFill>
+              <a:schemeClr val="bg1">
+                <a:lumMod val="65000"/>
+              </a:schemeClr>
+            </a:solidFill>
+          </a:ln>
+        </p:spPr>
+        <p:style>
+          <a:lnRef idx="2">
+            <a:schemeClr val="accent1">
+              <a:shade val="50000"/>
+            </a:schemeClr>
+          </a:lnRef>
+          <a:fillRef idx="1">
+            <a:schemeClr val="accent1"/>
+          </a:fillRef>
+          <a:effectRef idx="0">
+            <a:schemeClr val="accent1"/>
+          </a:effectRef>
+          <a:fontRef idx="minor">
+            <a:schemeClr val="lt1"/>
+          </a:fontRef>
+        </p:style>
+        <p:txBody>
+          <a:bodyPr rtlCol="0" anchor="ctr"/>
+          <a:lstStyle/>
+          <a:p>
+            <a:pPr algn="ctr"/>
+            <a:endParaRPr lang="en-GB"/>
+          </a:p>
+        </p:txBody>
+      </p:sp>
+      <p:sp>
+        <p:nvSpPr>
+          <p:cNvPr id="15" name="Right Arrow 14"/>
+          <p:cNvSpPr/>
+          <p:nvPr/>
+        </p:nvSpPr>
+        <p:spPr>
+          <a:xfrm>
+            <a:off x="6325703" y="4956571"/>
+            <a:ext cx="910309" cy="649043"/>
+          </a:xfrm>
+          <a:prstGeom prst="rightArrow">
+            <a:avLst/>
+          </a:prstGeom>
+          <a:solidFill>
+            <a:schemeClr val="bg1">
+              <a:lumMod val="85000"/>
+            </a:schemeClr>
+          </a:solidFill>
+          <a:ln>
+            <a:solidFill>
+              <a:schemeClr val="bg1">
+                <a:lumMod val="65000"/>
+              </a:schemeClr>
+            </a:solidFill>
+          </a:ln>
+        </p:spPr>
+        <p:style>
+          <a:lnRef idx="2">
+            <a:schemeClr val="accent1">
+              <a:shade val="50000"/>
+            </a:schemeClr>
+          </a:lnRef>
+          <a:fillRef idx="1">
+            <a:schemeClr val="accent1"/>
+          </a:fillRef>
+          <a:effectRef idx="0">
+            <a:schemeClr val="accent1"/>
+          </a:effectRef>
+          <a:fontRef idx="minor">
+            <a:schemeClr val="lt1"/>
+          </a:fontRef>
+        </p:style>
+        <p:txBody>
+          <a:bodyPr rtlCol="0" anchor="ctr"/>
+          <a:lstStyle/>
+          <a:p>
+            <a:pPr algn="ctr"/>
+            <a:endParaRPr lang="en-GB"/>
+          </a:p>
+        </p:txBody>
+      </p:sp>
+      <p:sp>
+        <p:nvSpPr>
+          <p:cNvPr id="17" name="TextBox 16"/>
+          <p:cNvSpPr txBox="1"/>
+          <p:nvPr/>
+        </p:nvSpPr>
+        <p:spPr>
+          <a:xfrm>
+            <a:off x="5292614" y="2935471"/>
+            <a:ext cx="3207160" cy="646331"/>
+          </a:xfrm>
+          <a:prstGeom prst="rect">
+            <a:avLst/>
+          </a:prstGeom>
+          <a:noFill/>
+        </p:spPr>
+        <p:txBody>
+          <a:bodyPr wrap="none" rtlCol="0">
+            <a:spAutoFit/>
+          </a:bodyPr>
+          <a:lstStyle/>
+          <a:p>
+            <a:r>
+              <a:rPr lang="nn-NO" sz="1200" dirty="0"/>
+              <a:t>http://</a:t>
+            </a:r>
+            <a:r>
+              <a:rPr lang="nn-NO" sz="1200" dirty="0" smtClean="0"/>
+              <a:t>mycode.barclays.com/tutorials </a:t>
+            </a:r>
+            <a:r>
+              <a:rPr lang="nn-NO" sz="1200" dirty="0"/>
+              <a:t>(GET)</a:t>
+            </a:r>
+          </a:p>
+          <a:p>
+            <a:r>
+              <a:rPr lang="nn-NO" sz="1200" dirty="0" smtClean="0"/>
+              <a:t>http</a:t>
+            </a:r>
+            <a:r>
+              <a:rPr lang="nn-NO" sz="1200" dirty="0"/>
+              <a:t>://</a:t>
+            </a:r>
+            <a:r>
+              <a:rPr lang="nn-NO" sz="1200" dirty="0" smtClean="0"/>
+              <a:t>mycode.barclays.com/tutorial/[ID] </a:t>
+            </a:r>
+            <a:r>
+              <a:rPr lang="nn-NO" sz="1200" dirty="0"/>
+              <a:t>(GET</a:t>
+            </a:r>
+            <a:r>
+              <a:rPr lang="nn-NO" sz="1200" dirty="0" smtClean="0"/>
+              <a:t>)</a:t>
+            </a:r>
+          </a:p>
+          <a:p>
+            <a:r>
+              <a:rPr lang="nn-NO" sz="1200" dirty="0"/>
+              <a:t>http://</a:t>
+            </a:r>
+            <a:r>
+              <a:rPr lang="nn-NO" sz="1200" dirty="0" smtClean="0"/>
+              <a:t>mycode.barclays.com/tutorial/[ID] </a:t>
+            </a:r>
+            <a:r>
+              <a:rPr lang="nn-NO" sz="1200" dirty="0"/>
+              <a:t>(POST</a:t>
+            </a:r>
+            <a:r>
+              <a:rPr lang="nn-NO" sz="1200" dirty="0" smtClean="0"/>
+              <a:t>)</a:t>
+            </a:r>
+            <a:endParaRPr lang="en-GB" sz="1200" dirty="0"/>
+          </a:p>
+        </p:txBody>
+      </p:sp>
+      <p:sp>
+        <p:nvSpPr>
+          <p:cNvPr id="19" name="TextBox 18"/>
+          <p:cNvSpPr txBox="1"/>
+          <p:nvPr/>
+        </p:nvSpPr>
+        <p:spPr>
+          <a:xfrm>
+            <a:off x="7274700" y="5136817"/>
+            <a:ext cx="1780296" cy="276999"/>
+          </a:xfrm>
+          <a:prstGeom prst="rect">
+            <a:avLst/>
+          </a:prstGeom>
+          <a:noFill/>
+        </p:spPr>
+        <p:txBody>
+          <a:bodyPr wrap="none" rtlCol="0">
+            <a:spAutoFit/>
+          </a:bodyPr>
+          <a:lstStyle>
+            <a:defPPr>
+              <a:defRPr lang="en-US"/>
+            </a:defPPr>
+            <a:lvl1pPr marL="285750" indent="-285750">
+              <a:buFont typeface="Arial" panose="020B0604020202020204" pitchFamily="34" charset="0"/>
+              <a:buChar char="•"/>
+              <a:defRPr sz="1400"/>
+            </a:lvl1pPr>
+          </a:lstStyle>
+          <a:p>
+            <a:pPr marL="0" indent="0">
+              <a:buNone/>
+            </a:pPr>
+            <a:r>
+              <a:rPr lang="nn-NO" sz="1200" dirty="0"/>
+              <a:t>Asset exposed API (POST)</a:t>
+            </a:r>
+            <a:endParaRPr lang="en-GB" sz="1200" dirty="0"/>
+          </a:p>
+        </p:txBody>
+      </p:sp>
       <p:pic>
         <p:nvPicPr>
-          <p:cNvPr id="8" name="Picture 7"/>
+          <p:cNvPr id="22" name="Picture 21"/>
           <p:cNvPicPr>
             <a:picLocks noChangeAspect="1"/>
           </p:cNvPicPr>
@@ -3199,8 +3517,8 @@
         </p:blipFill>
         <p:spPr>
           <a:xfrm>
-            <a:off x="3855549" y="4078045"/>
-            <a:ext cx="1690612" cy="724548"/>
+            <a:off x="4187594" y="5886665"/>
+            <a:ext cx="951067" cy="951067"/>
           </a:xfrm>
           <a:prstGeom prst="rect">
             <a:avLst/>
@@ -3209,14 +3527,14 @@
       </p:pic>
       <p:sp>
         <p:nvSpPr>
-          <p:cNvPr id="11" name="TextBox 10"/>
+          <p:cNvPr id="2" name="TextBox 1"/>
           <p:cNvSpPr txBox="1"/>
           <p:nvPr/>
         </p:nvSpPr>
         <p:spPr>
           <a:xfrm>
-            <a:off x="162745" y="4255653"/>
-            <a:ext cx="2568973" cy="338554"/>
+            <a:off x="7596530" y="271467"/>
+            <a:ext cx="3004797" cy="369332"/>
           </a:xfrm>
           <a:prstGeom prst="rect">
             <a:avLst/>
@@ -3230,526 +3548,193 @@
           <a:lstStyle/>
           <a:p>
             <a:r>
-              <a:rPr lang="en-GB" sz="1600" dirty="0" smtClean="0"/>
-              <a:t>Rest API exposed via Node.js</a:t>
-            </a:r>
-            <a:endParaRPr lang="en-GB" sz="1600" dirty="0"/>
-          </a:p>
-        </p:txBody>
-      </p:sp>
-      <p:sp>
-        <p:nvSpPr>
-          <p:cNvPr id="12" name="TextBox 11"/>
-          <p:cNvSpPr txBox="1"/>
+              <a:rPr lang="en-GB" dirty="0" smtClean="0"/>
+              <a:t>Development &amp; Infrastructure</a:t>
+            </a:r>
+            <a:endParaRPr lang="en-GB" dirty="0"/>
+          </a:p>
+        </p:txBody>
+      </p:sp>
+      <p:pic>
+        <p:nvPicPr>
+          <p:cNvPr id="16" name="Picture 15"/>
+          <p:cNvPicPr>
+            <a:picLocks noChangeAspect="1"/>
+          </p:cNvPicPr>
           <p:nvPr/>
-        </p:nvSpPr>
-        <p:spPr>
-          <a:xfrm>
-            <a:off x="162745" y="5406227"/>
-            <a:ext cx="3100913" cy="338554"/>
+        </p:nvPicPr>
+        <p:blipFill>
+          <a:blip r:embed="rId7" cstate="print">
+            <a:extLst>
+              <a:ext uri="{28A0092B-C50C-407E-A947-70E740481C1C}">
+                <a14:useLocalDpi xmlns:a14="http://schemas.microsoft.com/office/drawing/2010/main" val="0"/>
+              </a:ext>
+            </a:extLst>
+          </a:blip>
+          <a:stretch>
+            <a:fillRect/>
+          </a:stretch>
+        </p:blipFill>
+        <p:spPr>
+          <a:xfrm>
+            <a:off x="8857601" y="702935"/>
+            <a:ext cx="1196594" cy="629177"/>
           </a:xfrm>
           <a:prstGeom prst="rect">
             <a:avLst/>
           </a:prstGeom>
-          <a:noFill/>
-        </p:spPr>
-        <p:txBody>
-          <a:bodyPr wrap="none" rtlCol="0">
-            <a:spAutoFit/>
-          </a:bodyPr>
-          <a:lstStyle/>
-          <a:p>
-            <a:r>
-              <a:rPr lang="en-GB" sz="1600" dirty="0" smtClean="0"/>
-              <a:t>Content &amp; data stored in </a:t>
-            </a:r>
-            <a:r>
-              <a:rPr lang="en-GB" sz="1600" dirty="0" err="1" smtClean="0"/>
-              <a:t>mongoDB</a:t>
-            </a:r>
-            <a:endParaRPr lang="en-GB" sz="1600" dirty="0"/>
-          </a:p>
-        </p:txBody>
-      </p:sp>
-      <p:sp>
-        <p:nvSpPr>
-          <p:cNvPr id="13" name="TextBox 12"/>
-          <p:cNvSpPr txBox="1"/>
+        </p:spPr>
+      </p:pic>
+      <p:pic>
+        <p:nvPicPr>
+          <p:cNvPr id="18" name="Picture 17"/>
+          <p:cNvPicPr>
+            <a:picLocks noChangeAspect="1"/>
+          </p:cNvPicPr>
           <p:nvPr/>
-        </p:nvSpPr>
-        <p:spPr>
-          <a:xfrm>
-            <a:off x="162746" y="1338764"/>
-            <a:ext cx="2904641" cy="338554"/>
+        </p:nvPicPr>
+        <p:blipFill>
+          <a:blip r:embed="rId8">
+            <a:extLst>
+              <a:ext uri="{28A0092B-C50C-407E-A947-70E740481C1C}">
+                <a14:useLocalDpi xmlns:a14="http://schemas.microsoft.com/office/drawing/2010/main" val="0"/>
+              </a:ext>
+            </a:extLst>
+          </a:blip>
+          <a:stretch>
+            <a:fillRect/>
+          </a:stretch>
+        </p:blipFill>
+        <p:spPr>
+          <a:xfrm>
+            <a:off x="9771735" y="705943"/>
+            <a:ext cx="626169" cy="626169"/>
           </a:xfrm>
           <a:prstGeom prst="rect">
             <a:avLst/>
           </a:prstGeom>
-          <a:noFill/>
-        </p:spPr>
-        <p:txBody>
-          <a:bodyPr wrap="none" rtlCol="0">
-            <a:spAutoFit/>
-          </a:bodyPr>
-          <a:lstStyle/>
-          <a:p>
-            <a:r>
-              <a:rPr lang="en-GB" sz="1600" dirty="0" smtClean="0"/>
-              <a:t>HTML, CSS, jQuery responsive UI</a:t>
-            </a:r>
-            <a:endParaRPr lang="en-GB" sz="1600" dirty="0"/>
-          </a:p>
-        </p:txBody>
-      </p:sp>
-      <p:sp>
-        <p:nvSpPr>
-          <p:cNvPr id="14" name="Right Arrow 13"/>
-          <p:cNvSpPr/>
+        </p:spPr>
+      </p:pic>
+      <p:pic>
+        <p:nvPicPr>
+          <p:cNvPr id="3" name="Picture 2"/>
+          <p:cNvPicPr>
+            <a:picLocks noChangeAspect="1"/>
+          </p:cNvPicPr>
           <p:nvPr/>
-        </p:nvSpPr>
-        <p:spPr>
-          <a:xfrm rot="5400000">
-            <a:off x="4358178" y="2995652"/>
-            <a:ext cx="910309" cy="649043"/>
-          </a:xfrm>
-          <a:prstGeom prst="rightArrow">
-            <a:avLst/>
-          </a:prstGeom>
-          <a:solidFill>
-            <a:schemeClr val="bg1">
-              <a:lumMod val="85000"/>
-            </a:schemeClr>
-          </a:solidFill>
-          <a:ln>
-            <a:solidFill>
-              <a:schemeClr val="bg1">
-                <a:lumMod val="65000"/>
-              </a:schemeClr>
-            </a:solidFill>
-          </a:ln>
-        </p:spPr>
-        <p:style>
-          <a:lnRef idx="2">
-            <a:schemeClr val="accent1">
-              <a:shade val="50000"/>
-            </a:schemeClr>
-          </a:lnRef>
-          <a:fillRef idx="1">
-            <a:schemeClr val="accent1"/>
-          </a:fillRef>
-          <a:effectRef idx="0">
-            <a:schemeClr val="accent1"/>
-          </a:effectRef>
-          <a:fontRef idx="minor">
-            <a:schemeClr val="lt1"/>
-          </a:fontRef>
-        </p:style>
-        <p:txBody>
-          <a:bodyPr rtlCol="0" anchor="ctr"/>
-          <a:lstStyle/>
-          <a:p>
-            <a:pPr algn="ctr"/>
-            <a:endParaRPr lang="en-GB"/>
-          </a:p>
-        </p:txBody>
-      </p:sp>
-      <p:sp>
-        <p:nvSpPr>
-          <p:cNvPr id="15" name="Right Arrow 14"/>
-          <p:cNvSpPr/>
-          <p:nvPr/>
-        </p:nvSpPr>
-        <p:spPr>
-          <a:xfrm>
-            <a:off x="6325703" y="4956571"/>
-            <a:ext cx="910309" cy="649043"/>
-          </a:xfrm>
-          <a:prstGeom prst="rightArrow">
-            <a:avLst/>
-          </a:prstGeom>
-          <a:solidFill>
-            <a:schemeClr val="bg1">
-              <a:lumMod val="85000"/>
-            </a:schemeClr>
-          </a:solidFill>
-          <a:ln>
-            <a:solidFill>
-              <a:schemeClr val="bg1">
-                <a:lumMod val="65000"/>
-              </a:schemeClr>
-            </a:solidFill>
-          </a:ln>
-        </p:spPr>
-        <p:style>
-          <a:lnRef idx="2">
-            <a:schemeClr val="accent1">
-              <a:shade val="50000"/>
-            </a:schemeClr>
-          </a:lnRef>
-          <a:fillRef idx="1">
-            <a:schemeClr val="accent1"/>
-          </a:fillRef>
-          <a:effectRef idx="0">
-            <a:schemeClr val="accent1"/>
-          </a:effectRef>
-          <a:fontRef idx="minor">
-            <a:schemeClr val="lt1"/>
-          </a:fontRef>
-        </p:style>
-        <p:txBody>
-          <a:bodyPr rtlCol="0" anchor="ctr"/>
-          <a:lstStyle/>
-          <a:p>
-            <a:pPr algn="ctr"/>
-            <a:endParaRPr lang="en-GB"/>
-          </a:p>
-        </p:txBody>
-      </p:sp>
-      <p:sp>
-        <p:nvSpPr>
-          <p:cNvPr id="17" name="TextBox 16"/>
-          <p:cNvSpPr txBox="1"/>
-          <p:nvPr/>
-        </p:nvSpPr>
-        <p:spPr>
-          <a:xfrm>
-            <a:off x="5292614" y="2935471"/>
-            <a:ext cx="3207160" cy="646331"/>
+        </p:nvPicPr>
+        <p:blipFill>
+          <a:blip r:embed="rId9" cstate="print">
+            <a:extLst>
+              <a:ext uri="{28A0092B-C50C-407E-A947-70E740481C1C}">
+                <a14:useLocalDpi xmlns:a14="http://schemas.microsoft.com/office/drawing/2010/main" val="0"/>
+              </a:ext>
+            </a:extLst>
+          </a:blip>
+          <a:stretch>
+            <a:fillRect/>
+          </a:stretch>
+        </p:blipFill>
+        <p:spPr>
+          <a:xfrm>
+            <a:off x="8367491" y="702935"/>
+            <a:ext cx="677193" cy="677193"/>
           </a:xfrm>
           <a:prstGeom prst="rect">
             <a:avLst/>
           </a:prstGeom>
-          <a:noFill/>
-        </p:spPr>
-        <p:txBody>
-          <a:bodyPr wrap="none" rtlCol="0">
-            <a:spAutoFit/>
-          </a:bodyPr>
-          <a:lstStyle/>
-          <a:p>
-            <a:r>
-              <a:rPr lang="nn-NO" sz="1200" dirty="0"/>
-              <a:t>http://</a:t>
-            </a:r>
-            <a:r>
-              <a:rPr lang="nn-NO" sz="1200" dirty="0" smtClean="0"/>
-              <a:t>mycode.barclays.com/tutorials </a:t>
-            </a:r>
-            <a:r>
-              <a:rPr lang="nn-NO" sz="1200" dirty="0"/>
-              <a:t>(GET)</a:t>
-            </a:r>
-          </a:p>
-          <a:p>
-            <a:r>
-              <a:rPr lang="nn-NO" sz="1200" dirty="0" smtClean="0"/>
-              <a:t>http</a:t>
-            </a:r>
-            <a:r>
-              <a:rPr lang="nn-NO" sz="1200" dirty="0"/>
-              <a:t>://</a:t>
-            </a:r>
-            <a:r>
-              <a:rPr lang="nn-NO" sz="1200" dirty="0" smtClean="0"/>
-              <a:t>mycode.barclays.com/tutorial/[ID] </a:t>
-            </a:r>
-            <a:r>
-              <a:rPr lang="nn-NO" sz="1200" dirty="0"/>
-              <a:t>(GET</a:t>
-            </a:r>
-            <a:r>
-              <a:rPr lang="nn-NO" sz="1200" dirty="0" smtClean="0"/>
-              <a:t>)</a:t>
-            </a:r>
-          </a:p>
-          <a:p>
-            <a:r>
-              <a:rPr lang="nn-NO" sz="1200" dirty="0"/>
-              <a:t>http://</a:t>
-            </a:r>
-            <a:r>
-              <a:rPr lang="nn-NO" sz="1200" dirty="0" smtClean="0"/>
-              <a:t>mycode.barclays.com/tutorial/[ID] </a:t>
-            </a:r>
-            <a:r>
-              <a:rPr lang="nn-NO" sz="1200" dirty="0"/>
-              <a:t>(POST</a:t>
-            </a:r>
-            <a:r>
-              <a:rPr lang="nn-NO" sz="1200" dirty="0" smtClean="0"/>
-              <a:t>)</a:t>
-            </a:r>
-            <a:endParaRPr lang="en-GB" sz="1200" dirty="0"/>
-          </a:p>
-        </p:txBody>
-      </p:sp>
-      <p:sp>
-        <p:nvSpPr>
-          <p:cNvPr id="19" name="TextBox 18"/>
-          <p:cNvSpPr txBox="1"/>
+        </p:spPr>
+      </p:pic>
+      <p:pic>
+        <p:nvPicPr>
+          <p:cNvPr id="20" name="Picture 19"/>
+          <p:cNvPicPr>
+            <a:picLocks noChangeAspect="1"/>
+          </p:cNvPicPr>
           <p:nvPr/>
-        </p:nvSpPr>
-        <p:spPr>
-          <a:xfrm>
-            <a:off x="7274700" y="5136817"/>
-            <a:ext cx="1780296" cy="276999"/>
+        </p:nvPicPr>
+        <p:blipFill>
+          <a:blip r:embed="rId10" cstate="print">
+            <a:extLst>
+              <a:ext uri="{28A0092B-C50C-407E-A947-70E740481C1C}">
+                <a14:useLocalDpi xmlns:a14="http://schemas.microsoft.com/office/drawing/2010/main" val="0"/>
+              </a:ext>
+            </a:extLst>
+          </a:blip>
+          <a:stretch>
+            <a:fillRect/>
+          </a:stretch>
+        </p:blipFill>
+        <p:spPr>
+          <a:xfrm>
+            <a:off x="7710232" y="744644"/>
+            <a:ext cx="569538" cy="569538"/>
           </a:xfrm>
           <a:prstGeom prst="rect">
             <a:avLst/>
           </a:prstGeom>
-          <a:noFill/>
-        </p:spPr>
-        <p:txBody>
-          <a:bodyPr wrap="none" rtlCol="0">
-            <a:spAutoFit/>
-          </a:bodyPr>
-          <a:lstStyle>
-            <a:defPPr>
-              <a:defRPr lang="en-US"/>
-            </a:defPPr>
-            <a:lvl1pPr marL="285750" indent="-285750">
-              <a:buFont typeface="Arial" panose="020B0604020202020204" pitchFamily="34" charset="0"/>
-              <a:buChar char="•"/>
-              <a:defRPr sz="1400"/>
-            </a:lvl1pPr>
-          </a:lstStyle>
-          <a:p>
-            <a:pPr marL="0" indent="0">
-              <a:buNone/>
-            </a:pPr>
-            <a:r>
-              <a:rPr lang="nn-NO" sz="1200" dirty="0"/>
-              <a:t>Asset exposed API (POST)</a:t>
-            </a:r>
-            <a:endParaRPr lang="en-GB" sz="1200" dirty="0"/>
-          </a:p>
-        </p:txBody>
-      </p:sp>
-      <p:grpSp>
-        <p:nvGrpSpPr>
-          <p:cNvPr id="25" name="Group 24"/>
-          <p:cNvGrpSpPr/>
+        </p:spPr>
+      </p:pic>
+      <p:pic>
+        <p:nvPicPr>
+          <p:cNvPr id="21" name="Picture 20"/>
+          <p:cNvPicPr>
+            <a:picLocks noChangeAspect="1"/>
+          </p:cNvPicPr>
           <p:nvPr/>
-        </p:nvGrpSpPr>
-        <p:grpSpPr>
-          <a:xfrm>
-            <a:off x="6171295" y="-1989194"/>
-            <a:ext cx="7087856" cy="6655915"/>
-            <a:chOff x="3189083" y="4545106"/>
-            <a:chExt cx="7087856" cy="6655915"/>
-          </a:xfrm>
-        </p:grpSpPr>
-        <p:sp>
-          <p:nvSpPr>
-            <p:cNvPr id="2" name="TextBox 1"/>
-            <p:cNvSpPr txBox="1"/>
-            <p:nvPr/>
-          </p:nvSpPr>
-          <p:spPr>
-            <a:xfrm>
-              <a:off x="6562159" y="4545106"/>
-              <a:ext cx="3004797" cy="369332"/>
-            </a:xfrm>
-            <a:prstGeom prst="rect">
-              <a:avLst/>
-            </a:prstGeom>
-            <a:noFill/>
-          </p:spPr>
-          <p:txBody>
-            <a:bodyPr wrap="none" rtlCol="0">
-              <a:spAutoFit/>
-            </a:bodyPr>
-            <a:lstStyle/>
-            <a:p>
-              <a:r>
-                <a:rPr lang="en-GB" dirty="0" smtClean="0"/>
-                <a:t>Development &amp; Infrastructure</a:t>
-              </a:r>
-              <a:endParaRPr lang="en-GB" dirty="0"/>
-            </a:p>
-          </p:txBody>
-        </p:sp>
-        <p:pic>
-          <p:nvPicPr>
-            <p:cNvPr id="16" name="Picture 15"/>
-            <p:cNvPicPr>
-              <a:picLocks noChangeAspect="1"/>
-            </p:cNvPicPr>
-            <p:nvPr/>
-          </p:nvPicPr>
-          <p:blipFill>
-            <a:blip r:embed="rId7" cstate="print">
-              <a:extLst>
-                <a:ext uri="{28A0092B-C50C-407E-A947-70E740481C1C}">
-                  <a14:useLocalDpi xmlns:a14="http://schemas.microsoft.com/office/drawing/2010/main" val="0"/>
-                </a:ext>
-              </a:extLst>
-            </a:blip>
-            <a:stretch>
-              <a:fillRect/>
-            </a:stretch>
-          </p:blipFill>
-          <p:spPr>
-            <a:xfrm>
-              <a:off x="7823230" y="4976574"/>
-              <a:ext cx="1196594" cy="629177"/>
-            </a:xfrm>
-            <a:prstGeom prst="rect">
-              <a:avLst/>
-            </a:prstGeom>
-          </p:spPr>
-        </p:pic>
-        <p:pic>
-          <p:nvPicPr>
-            <p:cNvPr id="18" name="Picture 17"/>
-            <p:cNvPicPr>
-              <a:picLocks noChangeAspect="1"/>
-            </p:cNvPicPr>
-            <p:nvPr/>
-          </p:nvPicPr>
-          <p:blipFill>
-            <a:blip r:embed="rId8">
-              <a:extLst>
-                <a:ext uri="{28A0092B-C50C-407E-A947-70E740481C1C}">
-                  <a14:useLocalDpi xmlns:a14="http://schemas.microsoft.com/office/drawing/2010/main" val="0"/>
-                </a:ext>
-              </a:extLst>
-            </a:blip>
-            <a:stretch>
-              <a:fillRect/>
-            </a:stretch>
-          </p:blipFill>
-          <p:spPr>
-            <a:xfrm>
-              <a:off x="8737364" y="4979582"/>
-              <a:ext cx="626169" cy="626169"/>
-            </a:xfrm>
-            <a:prstGeom prst="rect">
-              <a:avLst/>
-            </a:prstGeom>
-          </p:spPr>
-        </p:pic>
-        <p:pic>
-          <p:nvPicPr>
-            <p:cNvPr id="3" name="Picture 2"/>
-            <p:cNvPicPr>
-              <a:picLocks noChangeAspect="1"/>
-            </p:cNvPicPr>
-            <p:nvPr/>
-          </p:nvPicPr>
-          <p:blipFill>
-            <a:blip r:embed="rId9" cstate="print">
-              <a:extLst>
-                <a:ext uri="{28A0092B-C50C-407E-A947-70E740481C1C}">
-                  <a14:useLocalDpi xmlns:a14="http://schemas.microsoft.com/office/drawing/2010/main" val="0"/>
-                </a:ext>
-              </a:extLst>
-            </a:blip>
-            <a:stretch>
-              <a:fillRect/>
-            </a:stretch>
-          </p:blipFill>
-          <p:spPr>
-            <a:xfrm>
-              <a:off x="7333120" y="4976574"/>
-              <a:ext cx="677193" cy="677193"/>
-            </a:xfrm>
-            <a:prstGeom prst="rect">
-              <a:avLst/>
-            </a:prstGeom>
-          </p:spPr>
-        </p:pic>
-        <p:pic>
-          <p:nvPicPr>
-            <p:cNvPr id="20" name="Picture 19"/>
-            <p:cNvPicPr>
-              <a:picLocks noChangeAspect="1"/>
-            </p:cNvPicPr>
-            <p:nvPr/>
-          </p:nvPicPr>
-          <p:blipFill>
-            <a:blip r:embed="rId10" cstate="print">
-              <a:extLst>
-                <a:ext uri="{28A0092B-C50C-407E-A947-70E740481C1C}">
-                  <a14:useLocalDpi xmlns:a14="http://schemas.microsoft.com/office/drawing/2010/main" val="0"/>
-                </a:ext>
-              </a:extLst>
-            </a:blip>
-            <a:stretch>
-              <a:fillRect/>
-            </a:stretch>
-          </p:blipFill>
-          <p:spPr>
-            <a:xfrm>
-              <a:off x="6675861" y="5018283"/>
-              <a:ext cx="569538" cy="569538"/>
-            </a:xfrm>
-            <a:prstGeom prst="rect">
-              <a:avLst/>
-            </a:prstGeom>
-          </p:spPr>
-        </p:pic>
-        <p:pic>
-          <p:nvPicPr>
-            <p:cNvPr id="21" name="Picture 20"/>
-            <p:cNvPicPr>
-              <a:picLocks noChangeAspect="1"/>
-            </p:cNvPicPr>
-            <p:nvPr/>
-          </p:nvPicPr>
-          <p:blipFill>
-            <a:blip r:embed="rId11" cstate="print">
-              <a:extLst>
-                <a:ext uri="{28A0092B-C50C-407E-A947-70E740481C1C}">
-                  <a14:useLocalDpi xmlns:a14="http://schemas.microsoft.com/office/drawing/2010/main" val="0"/>
-                </a:ext>
-              </a:extLst>
-            </a:blip>
-            <a:stretch>
-              <a:fillRect/>
-            </a:stretch>
-          </p:blipFill>
-          <p:spPr>
-            <a:xfrm>
-              <a:off x="9386046" y="4882454"/>
-              <a:ext cx="890893" cy="890893"/>
-            </a:xfrm>
-            <a:prstGeom prst="rect">
-              <a:avLst/>
-            </a:prstGeom>
-          </p:spPr>
-        </p:pic>
-        <p:pic>
-          <p:nvPicPr>
-            <p:cNvPr id="22" name="Picture 21"/>
-            <p:cNvPicPr>
-              <a:picLocks noChangeAspect="1"/>
-            </p:cNvPicPr>
-            <p:nvPr/>
-          </p:nvPicPr>
-          <p:blipFill>
-            <a:blip r:embed="rId12">
-              <a:extLst>
-                <a:ext uri="{28A0092B-C50C-407E-A947-70E740481C1C}">
-                  <a14:useLocalDpi xmlns:a14="http://schemas.microsoft.com/office/drawing/2010/main" val="0"/>
-                </a:ext>
-              </a:extLst>
-            </a:blip>
-            <a:stretch>
-              <a:fillRect/>
-            </a:stretch>
-          </p:blipFill>
-          <p:spPr>
-            <a:xfrm>
-              <a:off x="3189083" y="10249954"/>
-              <a:ext cx="951067" cy="951067"/>
-            </a:xfrm>
-            <a:prstGeom prst="rect">
-              <a:avLst/>
-            </a:prstGeom>
-          </p:spPr>
-        </p:pic>
-      </p:grpSp>
+        </p:nvPicPr>
+        <p:blipFill>
+          <a:blip r:embed="rId11" cstate="print">
+            <a:extLst>
+              <a:ext uri="{28A0092B-C50C-407E-A947-70E740481C1C}">
+                <a14:useLocalDpi xmlns:a14="http://schemas.microsoft.com/office/drawing/2010/main" val="0"/>
+              </a:ext>
+            </a:extLst>
+          </a:blip>
+          <a:stretch>
+            <a:fillRect/>
+          </a:stretch>
+        </p:blipFill>
+        <p:spPr>
+          <a:xfrm>
+            <a:off x="10420417" y="608815"/>
+            <a:ext cx="890893" cy="890893"/>
+          </a:xfrm>
+          <a:prstGeom prst="rect">
+            <a:avLst/>
+          </a:prstGeom>
+        </p:spPr>
+      </p:pic>
+      <p:pic>
+        <p:nvPicPr>
+          <p:cNvPr id="7" name="Picture 6"/>
+          <p:cNvPicPr>
+            <a:picLocks noChangeAspect="1"/>
+          </p:cNvPicPr>
+          <p:nvPr/>
+        </p:nvPicPr>
+        <p:blipFill>
+          <a:blip r:embed="rId12">
+            <a:extLst>
+              <a:ext uri="{28A0092B-C50C-407E-A947-70E740481C1C}">
+                <a14:useLocalDpi xmlns:a14="http://schemas.microsoft.com/office/drawing/2010/main" val="0"/>
+              </a:ext>
+            </a:extLst>
+          </a:blip>
+          <a:stretch>
+            <a:fillRect/>
+          </a:stretch>
+        </p:blipFill>
+        <p:spPr>
+          <a:xfrm>
+            <a:off x="4073235" y="4820064"/>
+            <a:ext cx="1183519" cy="1389348"/>
+          </a:xfrm>
+          <a:prstGeom prst="rect">
+            <a:avLst/>
+          </a:prstGeom>
+        </p:spPr>
+      </p:pic>
     </p:spTree>
     <p:extLst>
       <p:ext uri="{BB962C8B-B14F-4D97-AF65-F5344CB8AC3E}">

--- a/docs/Outline.pptx
+++ b/docs/Outline.pptx
@@ -255,7 +255,7 @@
           <a:p>
             <a:fld id="{0DE2516B-978E-4FA6-9B09-ABFC1CAE7706}" type="datetimeFigureOut">
               <a:rPr lang="en-GB" smtClean="0"/>
-              <a:t>08/05/2016</a:t>
+              <a:t>13/05/2016</a:t>
             </a:fld>
             <a:endParaRPr lang="en-GB"/>
           </a:p>
@@ -425,7 +425,7 @@
           <a:p>
             <a:fld id="{0DE2516B-978E-4FA6-9B09-ABFC1CAE7706}" type="datetimeFigureOut">
               <a:rPr lang="en-GB" smtClean="0"/>
-              <a:t>08/05/2016</a:t>
+              <a:t>13/05/2016</a:t>
             </a:fld>
             <a:endParaRPr lang="en-GB"/>
           </a:p>
@@ -605,7 +605,7 @@
           <a:p>
             <a:fld id="{0DE2516B-978E-4FA6-9B09-ABFC1CAE7706}" type="datetimeFigureOut">
               <a:rPr lang="en-GB" smtClean="0"/>
-              <a:t>08/05/2016</a:t>
+              <a:t>13/05/2016</a:t>
             </a:fld>
             <a:endParaRPr lang="en-GB"/>
           </a:p>
@@ -775,7 +775,7 @@
           <a:p>
             <a:fld id="{0DE2516B-978E-4FA6-9B09-ABFC1CAE7706}" type="datetimeFigureOut">
               <a:rPr lang="en-GB" smtClean="0"/>
-              <a:t>08/05/2016</a:t>
+              <a:t>13/05/2016</a:t>
             </a:fld>
             <a:endParaRPr lang="en-GB"/>
           </a:p>
@@ -1021,7 +1021,7 @@
           <a:p>
             <a:fld id="{0DE2516B-978E-4FA6-9B09-ABFC1CAE7706}" type="datetimeFigureOut">
               <a:rPr lang="en-GB" smtClean="0"/>
-              <a:t>08/05/2016</a:t>
+              <a:t>13/05/2016</a:t>
             </a:fld>
             <a:endParaRPr lang="en-GB"/>
           </a:p>
@@ -1253,7 +1253,7 @@
           <a:p>
             <a:fld id="{0DE2516B-978E-4FA6-9B09-ABFC1CAE7706}" type="datetimeFigureOut">
               <a:rPr lang="en-GB" smtClean="0"/>
-              <a:t>08/05/2016</a:t>
+              <a:t>13/05/2016</a:t>
             </a:fld>
             <a:endParaRPr lang="en-GB"/>
           </a:p>
@@ -1620,7 +1620,7 @@
           <a:p>
             <a:fld id="{0DE2516B-978E-4FA6-9B09-ABFC1CAE7706}" type="datetimeFigureOut">
               <a:rPr lang="en-GB" smtClean="0"/>
-              <a:t>08/05/2016</a:t>
+              <a:t>13/05/2016</a:t>
             </a:fld>
             <a:endParaRPr lang="en-GB"/>
           </a:p>
@@ -1738,7 +1738,7 @@
           <a:p>
             <a:fld id="{0DE2516B-978E-4FA6-9B09-ABFC1CAE7706}" type="datetimeFigureOut">
               <a:rPr lang="en-GB" smtClean="0"/>
-              <a:t>08/05/2016</a:t>
+              <a:t>13/05/2016</a:t>
             </a:fld>
             <a:endParaRPr lang="en-GB"/>
           </a:p>
@@ -1833,7 +1833,7 @@
           <a:p>
             <a:fld id="{0DE2516B-978E-4FA6-9B09-ABFC1CAE7706}" type="datetimeFigureOut">
               <a:rPr lang="en-GB" smtClean="0"/>
-              <a:t>08/05/2016</a:t>
+              <a:t>13/05/2016</a:t>
             </a:fld>
             <a:endParaRPr lang="en-GB"/>
           </a:p>
@@ -2110,7 +2110,7 @@
           <a:p>
             <a:fld id="{0DE2516B-978E-4FA6-9B09-ABFC1CAE7706}" type="datetimeFigureOut">
               <a:rPr lang="en-GB" smtClean="0"/>
-              <a:t>08/05/2016</a:t>
+              <a:t>13/05/2016</a:t>
             </a:fld>
             <a:endParaRPr lang="en-GB"/>
           </a:p>
@@ -2363,7 +2363,7 @@
           <a:p>
             <a:fld id="{0DE2516B-978E-4FA6-9B09-ABFC1CAE7706}" type="datetimeFigureOut">
               <a:rPr lang="en-GB" smtClean="0"/>
-              <a:t>08/05/2016</a:t>
+              <a:t>13/05/2016</a:t>
             </a:fld>
             <a:endParaRPr lang="en-GB"/>
           </a:p>
@@ -2576,7 +2576,7 @@
           <a:p>
             <a:fld id="{0DE2516B-978E-4FA6-9B09-ABFC1CAE7706}" type="datetimeFigureOut">
               <a:rPr lang="en-GB" smtClean="0"/>
-              <a:t>08/05/2016</a:t>
+              <a:t>13/05/2016</a:t>
             </a:fld>
             <a:endParaRPr lang="en-GB"/>
           </a:p>
@@ -2989,7 +2989,7 @@
         </p:nvSpPr>
         <p:spPr>
           <a:xfrm>
-            <a:off x="3344772" y="3864954"/>
+            <a:off x="4286068" y="3864954"/>
             <a:ext cx="2671763" cy="2503926"/>
           </a:xfrm>
           <a:prstGeom prst="round2SameRect">
@@ -3027,7 +3027,7 @@
         </p:nvSpPr>
         <p:spPr>
           <a:xfrm>
-            <a:off x="3428161" y="271467"/>
+            <a:off x="4398240" y="729395"/>
             <a:ext cx="2671763" cy="2503926"/>
           </a:xfrm>
           <a:prstGeom prst="round2SameRect">
@@ -3079,7 +3079,7 @@
         </p:blipFill>
         <p:spPr>
           <a:xfrm>
-            <a:off x="4680654" y="933454"/>
+            <a:off x="5621950" y="933454"/>
             <a:ext cx="914400" cy="914400"/>
           </a:xfrm>
           <a:prstGeom prst="rect">
@@ -3109,7 +3109,7 @@
         </p:blipFill>
         <p:spPr>
           <a:xfrm>
-            <a:off x="3766254" y="959539"/>
+            <a:off x="4707550" y="959539"/>
             <a:ext cx="914400" cy="914400"/>
           </a:xfrm>
           <a:prstGeom prst="rect">
@@ -3139,7 +3139,7 @@
         </p:blipFill>
         <p:spPr>
           <a:xfrm>
-            <a:off x="3766255" y="1847854"/>
+            <a:off x="4707551" y="1847854"/>
             <a:ext cx="1828800" cy="927539"/>
           </a:xfrm>
           <a:prstGeom prst="rect">
@@ -3169,7 +3169,7 @@
         </p:blipFill>
         <p:spPr>
           <a:xfrm>
-            <a:off x="3855549" y="4078045"/>
+            <a:off x="4796845" y="4078045"/>
             <a:ext cx="1690612" cy="724548"/>
           </a:xfrm>
           <a:prstGeom prst="rect">
@@ -3185,7 +3185,7 @@
         </p:nvSpPr>
         <p:spPr>
           <a:xfrm>
-            <a:off x="162745" y="4255653"/>
+            <a:off x="1104041" y="4255653"/>
             <a:ext cx="2568973" cy="338554"/>
           </a:xfrm>
           <a:prstGeom prst="rect">
@@ -3215,7 +3215,7 @@
         </p:nvSpPr>
         <p:spPr>
           <a:xfrm>
-            <a:off x="162745" y="5406227"/>
+            <a:off x="1104041" y="5406227"/>
             <a:ext cx="3100913" cy="338554"/>
           </a:xfrm>
           <a:prstGeom prst="rect">
@@ -3249,7 +3249,7 @@
         </p:nvSpPr>
         <p:spPr>
           <a:xfrm>
-            <a:off x="162746" y="1338764"/>
+            <a:off x="1104042" y="1338764"/>
             <a:ext cx="2904641" cy="338554"/>
           </a:xfrm>
           <a:prstGeom prst="rect">
@@ -3279,7 +3279,7 @@
         </p:nvSpPr>
         <p:spPr>
           <a:xfrm rot="5400000">
-            <a:off x="4358178" y="2995652"/>
+            <a:off x="5299474" y="2995652"/>
             <a:ext cx="910309" cy="649043"/>
           </a:xfrm>
           <a:prstGeom prst="rightArrow">
@@ -3323,181 +3323,9 @@
           </a:p>
         </p:txBody>
       </p:sp>
-      <p:sp>
-        <p:nvSpPr>
-          <p:cNvPr id="15" name="Right Arrow 14"/>
-          <p:cNvSpPr/>
-          <p:nvPr/>
-        </p:nvSpPr>
-        <p:spPr>
-          <a:xfrm>
-            <a:off x="6325703" y="4956571"/>
-            <a:ext cx="910309" cy="649043"/>
-          </a:xfrm>
-          <a:prstGeom prst="rightArrow">
-            <a:avLst/>
-          </a:prstGeom>
-          <a:solidFill>
-            <a:schemeClr val="bg1">
-              <a:lumMod val="85000"/>
-            </a:schemeClr>
-          </a:solidFill>
-          <a:ln>
-            <a:solidFill>
-              <a:schemeClr val="bg1">
-                <a:lumMod val="65000"/>
-              </a:schemeClr>
-            </a:solidFill>
-          </a:ln>
-        </p:spPr>
-        <p:style>
-          <a:lnRef idx="2">
-            <a:schemeClr val="accent1">
-              <a:shade val="50000"/>
-            </a:schemeClr>
-          </a:lnRef>
-          <a:fillRef idx="1">
-            <a:schemeClr val="accent1"/>
-          </a:fillRef>
-          <a:effectRef idx="0">
-            <a:schemeClr val="accent1"/>
-          </a:effectRef>
-          <a:fontRef idx="minor">
-            <a:schemeClr val="lt1"/>
-          </a:fontRef>
-        </p:style>
-        <p:txBody>
-          <a:bodyPr rtlCol="0" anchor="ctr"/>
-          <a:lstStyle/>
-          <a:p>
-            <a:pPr algn="ctr"/>
-            <a:endParaRPr lang="en-GB"/>
-          </a:p>
-        </p:txBody>
-      </p:sp>
-      <p:sp>
-        <p:nvSpPr>
-          <p:cNvPr id="17" name="TextBox 16"/>
-          <p:cNvSpPr txBox="1"/>
-          <p:nvPr/>
-        </p:nvSpPr>
-        <p:spPr>
-          <a:xfrm>
-            <a:off x="5292614" y="2935471"/>
-            <a:ext cx="3207160" cy="646331"/>
-          </a:xfrm>
-          <a:prstGeom prst="rect">
-            <a:avLst/>
-          </a:prstGeom>
-          <a:noFill/>
-        </p:spPr>
-        <p:txBody>
-          <a:bodyPr wrap="none" rtlCol="0">
-            <a:spAutoFit/>
-          </a:bodyPr>
-          <a:lstStyle/>
-          <a:p>
-            <a:r>
-              <a:rPr lang="nn-NO" sz="1200" dirty="0"/>
-              <a:t>http://</a:t>
-            </a:r>
-            <a:r>
-              <a:rPr lang="nn-NO" sz="1200" dirty="0" smtClean="0"/>
-              <a:t>mycode.barclays.com/tutorials </a:t>
-            </a:r>
-            <a:r>
-              <a:rPr lang="nn-NO" sz="1200" dirty="0"/>
-              <a:t>(GET)</a:t>
-            </a:r>
-          </a:p>
-          <a:p>
-            <a:r>
-              <a:rPr lang="nn-NO" sz="1200" dirty="0" smtClean="0"/>
-              <a:t>http</a:t>
-            </a:r>
-            <a:r>
-              <a:rPr lang="nn-NO" sz="1200" dirty="0"/>
-              <a:t>://</a:t>
-            </a:r>
-            <a:r>
-              <a:rPr lang="nn-NO" sz="1200" dirty="0" smtClean="0"/>
-              <a:t>mycode.barclays.com/tutorial/[ID] </a:t>
-            </a:r>
-            <a:r>
-              <a:rPr lang="nn-NO" sz="1200" dirty="0"/>
-              <a:t>(GET</a:t>
-            </a:r>
-            <a:r>
-              <a:rPr lang="nn-NO" sz="1200" dirty="0" smtClean="0"/>
-              <a:t>)</a:t>
-            </a:r>
-          </a:p>
-          <a:p>
-            <a:r>
-              <a:rPr lang="nn-NO" sz="1200" dirty="0"/>
-              <a:t>http://</a:t>
-            </a:r>
-            <a:r>
-              <a:rPr lang="nn-NO" sz="1200" dirty="0" smtClean="0"/>
-              <a:t>mycode.barclays.com/tutorial/[ID] </a:t>
-            </a:r>
-            <a:r>
-              <a:rPr lang="nn-NO" sz="1200" dirty="0"/>
-              <a:t>(POST</a:t>
-            </a:r>
-            <a:r>
-              <a:rPr lang="nn-NO" sz="1200" dirty="0" smtClean="0"/>
-              <a:t>)</a:t>
-            </a:r>
-            <a:endParaRPr lang="en-GB" sz="1200" dirty="0"/>
-          </a:p>
-        </p:txBody>
-      </p:sp>
-      <p:sp>
-        <p:nvSpPr>
-          <p:cNvPr id="19" name="TextBox 18"/>
-          <p:cNvSpPr txBox="1"/>
-          <p:nvPr/>
-        </p:nvSpPr>
-        <p:spPr>
-          <a:xfrm>
-            <a:off x="7274700" y="5136817"/>
-            <a:ext cx="1780296" cy="276999"/>
-          </a:xfrm>
-          <a:prstGeom prst="rect">
-            <a:avLst/>
-          </a:prstGeom>
-          <a:noFill/>
-        </p:spPr>
-        <p:txBody>
-          <a:bodyPr wrap="none" rtlCol="0">
-            <a:spAutoFit/>
-          </a:bodyPr>
-          <a:lstStyle>
-            <a:defPPr>
-              <a:defRPr lang="en-US"/>
-            </a:defPPr>
-            <a:lvl1pPr marL="285750" indent="-285750">
-              <a:buFont typeface="Arial" panose="020B0604020202020204" pitchFamily="34" charset="0"/>
-              <a:buChar char="•"/>
-              <a:defRPr sz="1400"/>
-            </a:lvl1pPr>
-          </a:lstStyle>
-          <a:p>
-            <a:pPr marL="0" indent="0">
-              <a:buNone/>
-            </a:pPr>
-            <a:r>
-              <a:rPr lang="nn-NO" sz="1200" dirty="0"/>
-              <a:t>Asset exposed API (POST)</a:t>
-            </a:r>
-            <a:endParaRPr lang="en-GB" sz="1200" dirty="0"/>
-          </a:p>
-        </p:txBody>
-      </p:sp>
       <p:pic>
         <p:nvPicPr>
-          <p:cNvPr id="22" name="Picture 21"/>
+          <p:cNvPr id="7" name="Picture 6"/>
           <p:cNvPicPr>
             <a:picLocks noChangeAspect="1"/>
           </p:cNvPicPr>
@@ -3517,47 +3345,17 @@
         </p:blipFill>
         <p:spPr>
           <a:xfrm>
-            <a:off x="4187594" y="5886665"/>
-            <a:ext cx="951067" cy="951067"/>
+            <a:off x="5014531" y="4820064"/>
+            <a:ext cx="1183519" cy="1389348"/>
           </a:xfrm>
           <a:prstGeom prst="rect">
             <a:avLst/>
           </a:prstGeom>
         </p:spPr>
       </p:pic>
-      <p:sp>
-        <p:nvSpPr>
-          <p:cNvPr id="2" name="TextBox 1"/>
-          <p:cNvSpPr txBox="1"/>
-          <p:nvPr/>
-        </p:nvSpPr>
-        <p:spPr>
-          <a:xfrm>
-            <a:off x="7596530" y="271467"/>
-            <a:ext cx="3004797" cy="369332"/>
-          </a:xfrm>
-          <a:prstGeom prst="rect">
-            <a:avLst/>
-          </a:prstGeom>
-          <a:noFill/>
-        </p:spPr>
-        <p:txBody>
-          <a:bodyPr wrap="none" rtlCol="0">
-            <a:spAutoFit/>
-          </a:bodyPr>
-          <a:lstStyle/>
-          <a:p>
-            <a:r>
-              <a:rPr lang="en-GB" dirty="0" smtClean="0"/>
-              <a:t>Development &amp; Infrastructure</a:t>
-            </a:r>
-            <a:endParaRPr lang="en-GB" dirty="0"/>
-          </a:p>
-        </p:txBody>
-      </p:sp>
       <p:pic>
         <p:nvPicPr>
-          <p:cNvPr id="16" name="Picture 15"/>
+          <p:cNvPr id="25" name="Picture 24"/>
           <p:cNvPicPr>
             <a:picLocks noChangeAspect="1"/>
           </p:cNvPicPr>
@@ -3577,164 +3375,269 @@
         </p:blipFill>
         <p:spPr>
           <a:xfrm>
-            <a:off x="8857601" y="702935"/>
-            <a:ext cx="1196594" cy="629177"/>
+            <a:off x="6577405" y="4057831"/>
+            <a:ext cx="761709" cy="761709"/>
           </a:xfrm>
           <a:prstGeom prst="rect">
             <a:avLst/>
           </a:prstGeom>
         </p:spPr>
       </p:pic>
-      <p:pic>
-        <p:nvPicPr>
-          <p:cNvPr id="18" name="Picture 17"/>
-          <p:cNvPicPr>
-            <a:picLocks noChangeAspect="1"/>
-          </p:cNvPicPr>
+      <p:grpSp>
+        <p:nvGrpSpPr>
+          <p:cNvPr id="28" name="Group 27"/>
+          <p:cNvGrpSpPr/>
           <p:nvPr/>
-        </p:nvPicPr>
-        <p:blipFill>
-          <a:blip r:embed="rId8">
-            <a:extLst>
-              <a:ext uri="{28A0092B-C50C-407E-A947-70E740481C1C}">
-                <a14:useLocalDpi xmlns:a14="http://schemas.microsoft.com/office/drawing/2010/main" val="0"/>
-              </a:ext>
-            </a:extLst>
-          </a:blip>
-          <a:stretch>
-            <a:fillRect/>
-          </a:stretch>
-        </p:blipFill>
-        <p:spPr>
+        </p:nvGrpSpPr>
+        <p:grpSpPr>
           <a:xfrm>
-            <a:off x="9771735" y="705943"/>
-            <a:ext cx="626169" cy="626169"/>
+            <a:off x="7944345" y="774914"/>
+            <a:ext cx="3004797" cy="1993065"/>
+            <a:chOff x="7603687" y="245995"/>
+            <a:chExt cx="3004797" cy="1993065"/>
           </a:xfrm>
-          <a:prstGeom prst="rect">
-            <a:avLst/>
-          </a:prstGeom>
-        </p:spPr>
-      </p:pic>
-      <p:pic>
-        <p:nvPicPr>
-          <p:cNvPr id="3" name="Picture 2"/>
-          <p:cNvPicPr>
-            <a:picLocks noChangeAspect="1"/>
-          </p:cNvPicPr>
-          <p:nvPr/>
-        </p:nvPicPr>
-        <p:blipFill>
-          <a:blip r:embed="rId9" cstate="print">
-            <a:extLst>
-              <a:ext uri="{28A0092B-C50C-407E-A947-70E740481C1C}">
-                <a14:useLocalDpi xmlns:a14="http://schemas.microsoft.com/office/drawing/2010/main" val="0"/>
-              </a:ext>
-            </a:extLst>
-          </a:blip>
-          <a:stretch>
-            <a:fillRect/>
-          </a:stretch>
-        </p:blipFill>
-        <p:spPr>
-          <a:xfrm>
-            <a:off x="8367491" y="702935"/>
-            <a:ext cx="677193" cy="677193"/>
-          </a:xfrm>
-          <a:prstGeom prst="rect">
-            <a:avLst/>
-          </a:prstGeom>
-        </p:spPr>
-      </p:pic>
-      <p:pic>
-        <p:nvPicPr>
-          <p:cNvPr id="20" name="Picture 19"/>
-          <p:cNvPicPr>
-            <a:picLocks noChangeAspect="1"/>
-          </p:cNvPicPr>
-          <p:nvPr/>
-        </p:nvPicPr>
-        <p:blipFill>
-          <a:blip r:embed="rId10" cstate="print">
-            <a:extLst>
-              <a:ext uri="{28A0092B-C50C-407E-A947-70E740481C1C}">
-                <a14:useLocalDpi xmlns:a14="http://schemas.microsoft.com/office/drawing/2010/main" val="0"/>
-              </a:ext>
-            </a:extLst>
-          </a:blip>
-          <a:stretch>
-            <a:fillRect/>
-          </a:stretch>
-        </p:blipFill>
-        <p:spPr>
-          <a:xfrm>
-            <a:off x="7710232" y="744644"/>
-            <a:ext cx="569538" cy="569538"/>
-          </a:xfrm>
-          <a:prstGeom prst="rect">
-            <a:avLst/>
-          </a:prstGeom>
-        </p:spPr>
-      </p:pic>
-      <p:pic>
-        <p:nvPicPr>
-          <p:cNvPr id="21" name="Picture 20"/>
-          <p:cNvPicPr>
-            <a:picLocks noChangeAspect="1"/>
-          </p:cNvPicPr>
-          <p:nvPr/>
-        </p:nvPicPr>
-        <p:blipFill>
-          <a:blip r:embed="rId11" cstate="print">
-            <a:extLst>
-              <a:ext uri="{28A0092B-C50C-407E-A947-70E740481C1C}">
-                <a14:useLocalDpi xmlns:a14="http://schemas.microsoft.com/office/drawing/2010/main" val="0"/>
-              </a:ext>
-            </a:extLst>
-          </a:blip>
-          <a:stretch>
-            <a:fillRect/>
-          </a:stretch>
-        </p:blipFill>
-        <p:spPr>
-          <a:xfrm>
-            <a:off x="10420417" y="608815"/>
-            <a:ext cx="890893" cy="890893"/>
-          </a:xfrm>
-          <a:prstGeom prst="rect">
-            <a:avLst/>
-          </a:prstGeom>
-        </p:spPr>
-      </p:pic>
-      <p:pic>
-        <p:nvPicPr>
-          <p:cNvPr id="7" name="Picture 6"/>
-          <p:cNvPicPr>
-            <a:picLocks noChangeAspect="1"/>
-          </p:cNvPicPr>
-          <p:nvPr/>
-        </p:nvPicPr>
-        <p:blipFill>
-          <a:blip r:embed="rId12">
-            <a:extLst>
-              <a:ext uri="{28A0092B-C50C-407E-A947-70E740481C1C}">
-                <a14:useLocalDpi xmlns:a14="http://schemas.microsoft.com/office/drawing/2010/main" val="0"/>
-              </a:ext>
-            </a:extLst>
-          </a:blip>
-          <a:stretch>
-            <a:fillRect/>
-          </a:stretch>
-        </p:blipFill>
-        <p:spPr>
-          <a:xfrm>
-            <a:off x="4073235" y="4820064"/>
-            <a:ext cx="1183519" cy="1389348"/>
-          </a:xfrm>
-          <a:prstGeom prst="rect">
-            <a:avLst/>
-          </a:prstGeom>
-        </p:spPr>
-      </p:pic>
+        </p:grpSpPr>
+        <p:pic>
+          <p:nvPicPr>
+            <p:cNvPr id="26" name="Picture 25"/>
+            <p:cNvPicPr>
+              <a:picLocks noChangeAspect="1"/>
+            </p:cNvPicPr>
+            <p:nvPr/>
+          </p:nvPicPr>
+          <p:blipFill>
+            <a:blip r:embed="rId8">
+              <a:extLst>
+                <a:ext uri="{28A0092B-C50C-407E-A947-70E740481C1C}">
+                  <a14:useLocalDpi xmlns:a14="http://schemas.microsoft.com/office/drawing/2010/main" val="0"/>
+                </a:ext>
+              </a:extLst>
+            </a:blip>
+            <a:stretch>
+              <a:fillRect/>
+            </a:stretch>
+          </p:blipFill>
+          <p:spPr>
+            <a:xfrm>
+              <a:off x="8389117" y="1372752"/>
+              <a:ext cx="908097" cy="831893"/>
+            </a:xfrm>
+            <a:prstGeom prst="rect">
+              <a:avLst/>
+            </a:prstGeom>
+          </p:spPr>
+        </p:pic>
+        <p:pic>
+          <p:nvPicPr>
+            <p:cNvPr id="22" name="Picture 21"/>
+            <p:cNvPicPr>
+              <a:picLocks noChangeAspect="1"/>
+            </p:cNvPicPr>
+            <p:nvPr/>
+          </p:nvPicPr>
+          <p:blipFill>
+            <a:blip r:embed="rId9" cstate="print">
+              <a:extLst>
+                <a:ext uri="{28A0092B-C50C-407E-A947-70E740481C1C}">
+                  <a14:useLocalDpi xmlns:a14="http://schemas.microsoft.com/office/drawing/2010/main" val="0"/>
+                </a:ext>
+              </a:extLst>
+            </a:blip>
+            <a:stretch>
+              <a:fillRect/>
+            </a:stretch>
+          </p:blipFill>
+          <p:spPr>
+            <a:xfrm>
+              <a:off x="7603687" y="1407941"/>
+              <a:ext cx="779447" cy="779447"/>
+            </a:xfrm>
+            <a:prstGeom prst="rect">
+              <a:avLst/>
+            </a:prstGeom>
+          </p:spPr>
+        </p:pic>
+        <p:sp>
+          <p:nvSpPr>
+            <p:cNvPr id="2" name="TextBox 1"/>
+            <p:cNvSpPr txBox="1"/>
+            <p:nvPr/>
+          </p:nvSpPr>
+          <p:spPr>
+            <a:xfrm>
+              <a:off x="7603687" y="245995"/>
+              <a:ext cx="3004797" cy="369332"/>
+            </a:xfrm>
+            <a:prstGeom prst="rect">
+              <a:avLst/>
+            </a:prstGeom>
+            <a:noFill/>
+          </p:spPr>
+          <p:txBody>
+            <a:bodyPr wrap="none" rtlCol="0">
+              <a:spAutoFit/>
+            </a:bodyPr>
+            <a:lstStyle/>
+            <a:p>
+              <a:r>
+                <a:rPr lang="en-GB" dirty="0" smtClean="0"/>
+                <a:t>Development &amp; Infrastructure</a:t>
+              </a:r>
+              <a:endParaRPr lang="en-GB" dirty="0"/>
+            </a:p>
+          </p:txBody>
+        </p:sp>
+        <p:pic>
+          <p:nvPicPr>
+            <p:cNvPr id="16" name="Picture 15"/>
+            <p:cNvPicPr>
+              <a:picLocks noChangeAspect="1"/>
+            </p:cNvPicPr>
+            <p:nvPr/>
+          </p:nvPicPr>
+          <p:blipFill>
+            <a:blip r:embed="rId10" cstate="print">
+              <a:extLst>
+                <a:ext uri="{28A0092B-C50C-407E-A947-70E740481C1C}">
+                  <a14:useLocalDpi xmlns:a14="http://schemas.microsoft.com/office/drawing/2010/main" val="0"/>
+                </a:ext>
+              </a:extLst>
+            </a:blip>
+            <a:stretch>
+              <a:fillRect/>
+            </a:stretch>
+          </p:blipFill>
+          <p:spPr>
+            <a:xfrm>
+              <a:off x="8966948" y="700048"/>
+              <a:ext cx="1196594" cy="629177"/>
+            </a:xfrm>
+            <a:prstGeom prst="rect">
+              <a:avLst/>
+            </a:prstGeom>
+          </p:spPr>
+        </p:pic>
+        <p:pic>
+          <p:nvPicPr>
+            <p:cNvPr id="18" name="Picture 17"/>
+            <p:cNvPicPr>
+              <a:picLocks noChangeAspect="1"/>
+            </p:cNvPicPr>
+            <p:nvPr/>
+          </p:nvPicPr>
+          <p:blipFill>
+            <a:blip r:embed="rId11">
+              <a:extLst>
+                <a:ext uri="{28A0092B-C50C-407E-A947-70E740481C1C}">
+                  <a14:useLocalDpi xmlns:a14="http://schemas.microsoft.com/office/drawing/2010/main" val="0"/>
+                </a:ext>
+              </a:extLst>
+            </a:blip>
+            <a:stretch>
+              <a:fillRect/>
+            </a:stretch>
+          </p:blipFill>
+          <p:spPr>
+            <a:xfrm>
+              <a:off x="9943836" y="710517"/>
+              <a:ext cx="626169" cy="626169"/>
+            </a:xfrm>
+            <a:prstGeom prst="rect">
+              <a:avLst/>
+            </a:prstGeom>
+          </p:spPr>
+        </p:pic>
+        <p:pic>
+          <p:nvPicPr>
+            <p:cNvPr id="3" name="Picture 2"/>
+            <p:cNvPicPr>
+              <a:picLocks noChangeAspect="1"/>
+            </p:cNvPicPr>
+            <p:nvPr/>
+          </p:nvPicPr>
+          <p:blipFill>
+            <a:blip r:embed="rId12" cstate="print">
+              <a:extLst>
+                <a:ext uri="{28A0092B-C50C-407E-A947-70E740481C1C}">
+                  <a14:useLocalDpi xmlns:a14="http://schemas.microsoft.com/office/drawing/2010/main" val="0"/>
+                </a:ext>
+              </a:extLst>
+            </a:blip>
+            <a:stretch>
+              <a:fillRect/>
+            </a:stretch>
+          </p:blipFill>
+          <p:spPr>
+            <a:xfrm>
+              <a:off x="8476838" y="702935"/>
+              <a:ext cx="677193" cy="677193"/>
+            </a:xfrm>
+            <a:prstGeom prst="rect">
+              <a:avLst/>
+            </a:prstGeom>
+          </p:spPr>
+        </p:pic>
+        <p:pic>
+          <p:nvPicPr>
+            <p:cNvPr id="20" name="Picture 19"/>
+            <p:cNvPicPr>
+              <a:picLocks noChangeAspect="1"/>
+            </p:cNvPicPr>
+            <p:nvPr/>
+          </p:nvPicPr>
+          <p:blipFill>
+            <a:blip r:embed="rId13" cstate="print">
+              <a:extLst>
+                <a:ext uri="{28A0092B-C50C-407E-A947-70E740481C1C}">
+                  <a14:useLocalDpi xmlns:a14="http://schemas.microsoft.com/office/drawing/2010/main" val="0"/>
+                </a:ext>
+              </a:extLst>
+            </a:blip>
+            <a:stretch>
+              <a:fillRect/>
+            </a:stretch>
+          </p:blipFill>
+          <p:spPr>
+            <a:xfrm>
+              <a:off x="7694073" y="756762"/>
+              <a:ext cx="569538" cy="569538"/>
+            </a:xfrm>
+            <a:prstGeom prst="rect">
+              <a:avLst/>
+            </a:prstGeom>
+          </p:spPr>
+        </p:pic>
+        <p:pic>
+          <p:nvPicPr>
+            <p:cNvPr id="27" name="Picture 26"/>
+            <p:cNvPicPr>
+              <a:picLocks noChangeAspect="1"/>
+            </p:cNvPicPr>
+            <p:nvPr/>
+          </p:nvPicPr>
+          <p:blipFill>
+            <a:blip r:embed="rId14">
+              <a:extLst>
+                <a:ext uri="{28A0092B-C50C-407E-A947-70E740481C1C}">
+                  <a14:useLocalDpi xmlns:a14="http://schemas.microsoft.com/office/drawing/2010/main" val="0"/>
+                </a:ext>
+              </a:extLst>
+            </a:blip>
+            <a:stretch>
+              <a:fillRect/>
+            </a:stretch>
+          </p:blipFill>
+          <p:spPr>
+            <a:xfrm>
+              <a:off x="9154031" y="1369065"/>
+              <a:ext cx="908097" cy="869995"/>
+            </a:xfrm>
+            <a:prstGeom prst="rect">
+              <a:avLst/>
+            </a:prstGeom>
+          </p:spPr>
+        </p:pic>
+      </p:grpSp>
     </p:spTree>
     <p:extLst>
       <p:ext uri="{BB962C8B-B14F-4D97-AF65-F5344CB8AC3E}">
